--- a/public/templates/default.pptx
+++ b/public/templates/default.pptx
@@ -4,37 +4,29 @@
   <p:sldMasterIdLst>
     <p:sldMasterId id="2147483648" r:id="rId1"/>
   </p:sldMasterIdLst>
+  <p:notesMasterIdLst>
+    <p:notesMasterId r:id="rId4"/>
+  </p:notesMasterIdLst>
+  <p:handoutMasterIdLst>
+    <p:handoutMasterId r:id="rId5"/>
+  </p:handoutMasterIdLst>
   <p:sldIdLst>
-    <p:sldId id="256" r:id="rId2"/>
-    <p:sldId id="257" r:id="rId3"/>
+    <p:sldId id="257" r:id="rId2"/>
+    <p:sldId id="258" r:id="rId3"/>
   </p:sldIdLst>
-  <p:sldSz cx="9144000" cy="5143500" type="screen16x9"/>
-  <p:notesSz cx="6858000" cy="9144000"/>
+  <p:sldSz cx="9144000" cy="6858000" type="screen4x3"/>
+  <p:notesSz cx="6802438" cy="9934575"/>
   <p:embeddedFontLst>
     <p:embeddedFont>
       <p:font typeface="Calibri" panose="020F0502020204030204" pitchFamily="34" charset="0"/>
-      <p:regular r:id="rId4"/>
-      <p:bold r:id="rId5"/>
-      <p:italic r:id="rId6"/>
-      <p:boldItalic r:id="rId7"/>
-    </p:embeddedFont>
-    <p:embeddedFont>
-      <p:font typeface="Roboto" pitchFamily="2" charset="0"/>
-      <p:regular r:id="rId8"/>
-      <p:bold r:id="rId9"/>
-      <p:italic r:id="rId10"/>
-      <p:boldItalic r:id="rId11"/>
-    </p:embeddedFont>
-    <p:embeddedFont>
-      <p:font typeface="Trebuchet MS" panose="020B0603020202020204" pitchFamily="34" charset="0"/>
-      <p:regular r:id="rId12"/>
-      <p:bold r:id="rId13"/>
-      <p:italic r:id="rId14"/>
-      <p:boldItalic r:id="rId15"/>
+      <p:regular r:id="rId6"/>
+      <p:bold r:id="rId7"/>
+      <p:italic r:id="rId8"/>
+      <p:boldItalic r:id="rId9"/>
     </p:embeddedFont>
   </p:embeddedFontLst>
   <p:custDataLst>
-    <p:tags r:id="rId16"/>
+    <p:tags r:id="rId10"/>
   </p:custDataLst>
   <p:defaultTextStyle>
     <a:defPPr>
@@ -134,9 +126,14 @@
 </p:presentation>
 </file>
 
-<file path=ppt/slideLayouts/slideLayout1.xml><?xml version="1.0" encoding="utf-8"?>
-<p:sldLayout xmlns:a="http://schemas.openxmlformats.org/drawingml/2006/main" xmlns:r="http://schemas.openxmlformats.org/officeDocument/2006/relationships" xmlns:p="http://schemas.openxmlformats.org/presentationml/2006/main" type="title" preserve="1">
-  <p:cSld name="Title">
+<file path=ppt/handoutMasters/handoutMaster1.xml><?xml version="1.0" encoding="utf-8"?>
+<p:handoutMaster xmlns:a="http://schemas.openxmlformats.org/drawingml/2006/main" xmlns:r="http://schemas.openxmlformats.org/officeDocument/2006/relationships" xmlns:p="http://schemas.openxmlformats.org/presentationml/2006/main">
+  <p:cSld>
+    <p:bg>
+      <p:bgRef idx="1001">
+        <a:schemeClr val="bg1"/>
+      </p:bgRef>
+    </p:bg>
     <p:spTree>
       <p:nvGrpSpPr>
         <p:cNvPr id="1" name=""/>
@@ -153,18 +150,528 @@
       </p:grpSpPr>
       <p:sp>
         <p:nvSpPr>
-          <p:cNvPr id="2" name="Titre 1"/>
-          <p:cNvSpPr>
-            <a:spLocks noGrp="1"/>
-          </p:cNvSpPr>
-          <p:nvPr>
-            <p:ph type="ctrTitle"/>
+          <p:cNvPr id="2" name="Espace réservé de l'en-tête 1"/>
+          <p:cNvSpPr>
+            <a:spLocks noGrp="1"/>
+          </p:cNvSpPr>
+          <p:nvPr>
+            <p:ph type="hdr" sz="quarter"/>
           </p:nvPr>
         </p:nvSpPr>
         <p:spPr>
           <a:xfrm>
-            <a:off x="685800" y="1597819"/>
-            <a:ext cx="7772400" cy="1102519"/>
+            <a:off x="1" y="1"/>
+            <a:ext cx="2947723" cy="496729"/>
+          </a:xfrm>
+          <a:prstGeom prst="rect">
+            <a:avLst/>
+          </a:prstGeom>
+        </p:spPr>
+        <p:txBody>
+          <a:bodyPr vert="horz" lIns="91433" tIns="45717" rIns="91433" bIns="45717" rtlCol="0"/>
+          <a:lstStyle>
+            <a:lvl1pPr algn="l">
+              <a:defRPr sz="1200"/>
+            </a:lvl1pPr>
+          </a:lstStyle>
+          <a:p>
+            <a:endParaRPr lang="fr-FR"/>
+          </a:p>
+        </p:txBody>
+      </p:sp>
+      <p:sp>
+        <p:nvSpPr>
+          <p:cNvPr id="3" name="Espace réservé de la date 2"/>
+          <p:cNvSpPr>
+            <a:spLocks noGrp="1"/>
+          </p:cNvSpPr>
+          <p:nvPr>
+            <p:ph type="dt" sz="quarter" idx="1"/>
+          </p:nvPr>
+        </p:nvSpPr>
+        <p:spPr>
+          <a:xfrm>
+            <a:off x="3853142" y="1"/>
+            <a:ext cx="2947723" cy="496729"/>
+          </a:xfrm>
+          <a:prstGeom prst="rect">
+            <a:avLst/>
+          </a:prstGeom>
+        </p:spPr>
+        <p:txBody>
+          <a:bodyPr vert="horz" lIns="91433" tIns="45717" rIns="91433" bIns="45717" rtlCol="0"/>
+          <a:lstStyle>
+            <a:lvl1pPr algn="r">
+              <a:defRPr sz="1200"/>
+            </a:lvl1pPr>
+          </a:lstStyle>
+          <a:p>
+            <a:fld id="{47FF9F20-5212-4D95-9279-F1AE6CE05257}" type="datetimeFigureOut">
+              <a:rPr lang="fr-FR" smtClean="0"/>
+              <a:t>07/07/2025</a:t>
+            </a:fld>
+            <a:endParaRPr lang="fr-FR"/>
+          </a:p>
+        </p:txBody>
+      </p:sp>
+      <p:sp>
+        <p:nvSpPr>
+          <p:cNvPr id="4" name="Espace réservé du pied de page 3"/>
+          <p:cNvSpPr>
+            <a:spLocks noGrp="1"/>
+          </p:cNvSpPr>
+          <p:nvPr>
+            <p:ph type="ftr" sz="quarter" idx="2"/>
+          </p:nvPr>
+        </p:nvSpPr>
+        <p:spPr>
+          <a:xfrm>
+            <a:off x="1" y="9436123"/>
+            <a:ext cx="2947723" cy="496729"/>
+          </a:xfrm>
+          <a:prstGeom prst="rect">
+            <a:avLst/>
+          </a:prstGeom>
+        </p:spPr>
+        <p:txBody>
+          <a:bodyPr vert="horz" lIns="91433" tIns="45717" rIns="91433" bIns="45717" rtlCol="0" anchor="b"/>
+          <a:lstStyle>
+            <a:lvl1pPr algn="l">
+              <a:defRPr sz="1200"/>
+            </a:lvl1pPr>
+          </a:lstStyle>
+          <a:p>
+            <a:endParaRPr lang="fr-FR"/>
+          </a:p>
+        </p:txBody>
+      </p:sp>
+      <p:sp>
+        <p:nvSpPr>
+          <p:cNvPr id="5" name="Espace réservé du numéro de diapositive 4"/>
+          <p:cNvSpPr>
+            <a:spLocks noGrp="1"/>
+          </p:cNvSpPr>
+          <p:nvPr>
+            <p:ph type="sldNum" sz="quarter" idx="3"/>
+          </p:nvPr>
+        </p:nvSpPr>
+        <p:spPr>
+          <a:xfrm>
+            <a:off x="3853142" y="9436123"/>
+            <a:ext cx="2947723" cy="496729"/>
+          </a:xfrm>
+          <a:prstGeom prst="rect">
+            <a:avLst/>
+          </a:prstGeom>
+        </p:spPr>
+        <p:txBody>
+          <a:bodyPr vert="horz" lIns="91433" tIns="45717" rIns="91433" bIns="45717" rtlCol="0" anchor="b"/>
+          <a:lstStyle>
+            <a:lvl1pPr algn="r">
+              <a:defRPr sz="1200"/>
+            </a:lvl1pPr>
+          </a:lstStyle>
+          <a:p>
+            <a:fld id="{8127ACB1-6E6A-435C-BF9E-47F480D29F6C}" type="slidenum">
+              <a:rPr lang="fr-FR" smtClean="0"/>
+              <a:t>‹N°›</a:t>
+            </a:fld>
+            <a:endParaRPr lang="fr-FR"/>
+          </a:p>
+        </p:txBody>
+      </p:sp>
+    </p:spTree>
+    <p:extLst>
+      <p:ext uri="{BB962C8B-B14F-4D97-AF65-F5344CB8AC3E}">
+        <p14:creationId xmlns:p14="http://schemas.microsoft.com/office/powerpoint/2010/main" val="1074247068"/>
+      </p:ext>
+    </p:extLst>
+  </p:cSld>
+  <p:clrMap bg1="lt1" tx1="dk1" bg2="lt2" tx2="dk2" accent1="accent1" accent2="accent2" accent3="accent3" accent4="accent4" accent5="accent5" accent6="accent6" hlink="hlink" folHlink="folHlink"/>
+</p:handoutMaster>
+</file>
+
+<file path=ppt/notesMasters/notesMaster1.xml><?xml version="1.0" encoding="utf-8"?>
+<p:notesMaster xmlns:a="http://schemas.openxmlformats.org/drawingml/2006/main" xmlns:r="http://schemas.openxmlformats.org/officeDocument/2006/relationships" xmlns:p="http://schemas.openxmlformats.org/presentationml/2006/main">
+  <p:cSld>
+    <p:bg>
+      <p:bgRef idx="1001">
+        <a:schemeClr val="bg1"/>
+      </p:bgRef>
+    </p:bg>
+    <p:spTree>
+      <p:nvGrpSpPr>
+        <p:cNvPr id="1" name=""/>
+        <p:cNvGrpSpPr/>
+        <p:nvPr/>
+      </p:nvGrpSpPr>
+      <p:grpSpPr>
+        <a:xfrm>
+          <a:off x="0" y="0"/>
+          <a:ext cx="0" cy="0"/>
+          <a:chOff x="0" y="0"/>
+          <a:chExt cx="0" cy="0"/>
+        </a:xfrm>
+      </p:grpSpPr>
+      <p:sp>
+        <p:nvSpPr>
+          <p:cNvPr id="2" name="Espace réservé de l'en-tête 1"/>
+          <p:cNvSpPr>
+            <a:spLocks noGrp="1"/>
+          </p:cNvSpPr>
+          <p:nvPr>
+            <p:ph type="hdr" sz="quarter"/>
+          </p:nvPr>
+        </p:nvSpPr>
+        <p:spPr>
+          <a:xfrm>
+            <a:off x="1" y="1"/>
+            <a:ext cx="2947723" cy="496729"/>
+          </a:xfrm>
+          <a:prstGeom prst="rect">
+            <a:avLst/>
+          </a:prstGeom>
+        </p:spPr>
+        <p:txBody>
+          <a:bodyPr vert="horz" lIns="91433" tIns="45717" rIns="91433" bIns="45717" rtlCol="0"/>
+          <a:lstStyle>
+            <a:lvl1pPr algn="l">
+              <a:defRPr sz="1200"/>
+            </a:lvl1pPr>
+          </a:lstStyle>
+          <a:p>
+            <a:endParaRPr lang="fr-FR" dirty="0"/>
+          </a:p>
+        </p:txBody>
+      </p:sp>
+      <p:sp>
+        <p:nvSpPr>
+          <p:cNvPr id="3" name="Espace réservé de la date 2"/>
+          <p:cNvSpPr>
+            <a:spLocks noGrp="1"/>
+          </p:cNvSpPr>
+          <p:nvPr>
+            <p:ph type="dt" idx="1"/>
+          </p:nvPr>
+        </p:nvSpPr>
+        <p:spPr>
+          <a:xfrm>
+            <a:off x="3853142" y="1"/>
+            <a:ext cx="2947723" cy="496729"/>
+          </a:xfrm>
+          <a:prstGeom prst="rect">
+            <a:avLst/>
+          </a:prstGeom>
+        </p:spPr>
+        <p:txBody>
+          <a:bodyPr vert="horz" lIns="91433" tIns="45717" rIns="91433" bIns="45717" rtlCol="0"/>
+          <a:lstStyle>
+            <a:lvl1pPr algn="r">
+              <a:defRPr sz="1200"/>
+            </a:lvl1pPr>
+          </a:lstStyle>
+          <a:p>
+            <a:fld id="{B5C8F5A5-2E77-4BE0-80B5-91ACA94A88FE}" type="datetimeFigureOut">
+              <a:rPr lang="fr-FR" smtClean="0"/>
+              <a:t>07/07/2025</a:t>
+            </a:fld>
+            <a:endParaRPr lang="fr-FR" dirty="0"/>
+          </a:p>
+        </p:txBody>
+      </p:sp>
+      <p:sp>
+        <p:nvSpPr>
+          <p:cNvPr id="4" name="Espace réservé de l'image des diapositives 3"/>
+          <p:cNvSpPr>
+            <a:spLocks noGrp="1" noRot="1" noChangeAspect="1"/>
+          </p:cNvSpPr>
+          <p:nvPr>
+            <p:ph type="sldImg" idx="2"/>
+          </p:nvPr>
+        </p:nvSpPr>
+        <p:spPr>
+          <a:xfrm>
+            <a:off x="917575" y="744538"/>
+            <a:ext cx="4967288" cy="3725862"/>
+          </a:xfrm>
+          <a:prstGeom prst="rect">
+            <a:avLst/>
+          </a:prstGeom>
+          <a:noFill/>
+          <a:ln w="12700">
+            <a:solidFill>
+              <a:prstClr val="black"/>
+            </a:solidFill>
+          </a:ln>
+        </p:spPr>
+        <p:txBody>
+          <a:bodyPr vert="horz" lIns="91433" tIns="45717" rIns="91433" bIns="45717" rtlCol="0" anchor="ctr"/>
+          <a:lstStyle/>
+          <a:p>
+            <a:endParaRPr lang="fr-FR" dirty="0"/>
+          </a:p>
+        </p:txBody>
+      </p:sp>
+      <p:sp>
+        <p:nvSpPr>
+          <p:cNvPr id="5" name="Espace réservé des commentaires 4"/>
+          <p:cNvSpPr>
+            <a:spLocks noGrp="1"/>
+          </p:cNvSpPr>
+          <p:nvPr>
+            <p:ph type="body" sz="quarter" idx="3"/>
+          </p:nvPr>
+        </p:nvSpPr>
+        <p:spPr>
+          <a:xfrm>
+            <a:off x="680244" y="4718924"/>
+            <a:ext cx="5441950" cy="4470559"/>
+          </a:xfrm>
+          <a:prstGeom prst="rect">
+            <a:avLst/>
+          </a:prstGeom>
+        </p:spPr>
+        <p:txBody>
+          <a:bodyPr vert="horz" lIns="91433" tIns="45717" rIns="91433" bIns="45717" rtlCol="0"/>
+          <a:lstStyle/>
+          <a:p>
+            <a:pPr lvl="0"/>
+            <a:r>
+              <a:rPr lang="fr-FR" smtClean="0"/>
+              <a:t>Modifiez les styles du texte du masque</a:t>
+            </a:r>
+          </a:p>
+          <a:p>
+            <a:pPr lvl="1"/>
+            <a:r>
+              <a:rPr lang="fr-FR" smtClean="0"/>
+              <a:t>Deuxième niveau</a:t>
+            </a:r>
+          </a:p>
+          <a:p>
+            <a:pPr lvl="2"/>
+            <a:r>
+              <a:rPr lang="fr-FR" smtClean="0"/>
+              <a:t>Troisième niveau</a:t>
+            </a:r>
+          </a:p>
+          <a:p>
+            <a:pPr lvl="3"/>
+            <a:r>
+              <a:rPr lang="fr-FR" smtClean="0"/>
+              <a:t>Quatrième niveau</a:t>
+            </a:r>
+          </a:p>
+          <a:p>
+            <a:pPr lvl="4"/>
+            <a:r>
+              <a:rPr lang="fr-FR" smtClean="0"/>
+              <a:t>Cinquième niveau</a:t>
+            </a:r>
+            <a:endParaRPr lang="fr-FR"/>
+          </a:p>
+        </p:txBody>
+      </p:sp>
+      <p:sp>
+        <p:nvSpPr>
+          <p:cNvPr id="6" name="Espace réservé du pied de page 5"/>
+          <p:cNvSpPr>
+            <a:spLocks noGrp="1"/>
+          </p:cNvSpPr>
+          <p:nvPr>
+            <p:ph type="ftr" sz="quarter" idx="4"/>
+          </p:nvPr>
+        </p:nvSpPr>
+        <p:spPr>
+          <a:xfrm>
+            <a:off x="1" y="9436123"/>
+            <a:ext cx="2947723" cy="496729"/>
+          </a:xfrm>
+          <a:prstGeom prst="rect">
+            <a:avLst/>
+          </a:prstGeom>
+        </p:spPr>
+        <p:txBody>
+          <a:bodyPr vert="horz" lIns="91433" tIns="45717" rIns="91433" bIns="45717" rtlCol="0" anchor="b"/>
+          <a:lstStyle>
+            <a:lvl1pPr algn="l">
+              <a:defRPr sz="1200"/>
+            </a:lvl1pPr>
+          </a:lstStyle>
+          <a:p>
+            <a:endParaRPr lang="fr-FR" dirty="0"/>
+          </a:p>
+        </p:txBody>
+      </p:sp>
+      <p:sp>
+        <p:nvSpPr>
+          <p:cNvPr id="7" name="Espace réservé du numéro de diapositive 6"/>
+          <p:cNvSpPr>
+            <a:spLocks noGrp="1"/>
+          </p:cNvSpPr>
+          <p:nvPr>
+            <p:ph type="sldNum" sz="quarter" idx="5"/>
+          </p:nvPr>
+        </p:nvSpPr>
+        <p:spPr>
+          <a:xfrm>
+            <a:off x="3853142" y="9436123"/>
+            <a:ext cx="2947723" cy="496729"/>
+          </a:xfrm>
+          <a:prstGeom prst="rect">
+            <a:avLst/>
+          </a:prstGeom>
+        </p:spPr>
+        <p:txBody>
+          <a:bodyPr vert="horz" lIns="91433" tIns="45717" rIns="91433" bIns="45717" rtlCol="0" anchor="b"/>
+          <a:lstStyle>
+            <a:lvl1pPr algn="r">
+              <a:defRPr sz="1200"/>
+            </a:lvl1pPr>
+          </a:lstStyle>
+          <a:p>
+            <a:fld id="{B79E283F-A73B-47C2-BFF4-738D87B089A7}" type="slidenum">
+              <a:rPr lang="fr-FR" smtClean="0"/>
+              <a:t>‹N°›</a:t>
+            </a:fld>
+            <a:endParaRPr lang="fr-FR" dirty="0"/>
+          </a:p>
+        </p:txBody>
+      </p:sp>
+    </p:spTree>
+    <p:extLst>
+      <p:ext uri="{BB962C8B-B14F-4D97-AF65-F5344CB8AC3E}">
+        <p14:creationId xmlns:p14="http://schemas.microsoft.com/office/powerpoint/2010/main" val="1119439895"/>
+      </p:ext>
+    </p:extLst>
+  </p:cSld>
+  <p:clrMap bg1="lt1" tx1="dk1" bg2="lt2" tx2="dk2" accent1="accent1" accent2="accent2" accent3="accent3" accent4="accent4" accent5="accent5" accent6="accent6" hlink="hlink" folHlink="folHlink"/>
+  <p:notesStyle>
+    <a:lvl1pPr marL="0" algn="l" defTabSz="914400" rtl="0" eaLnBrk="1" latinLnBrk="0" hangingPunct="1">
+      <a:defRPr sz="1200" kern="1200">
+        <a:solidFill>
+          <a:schemeClr val="tx1"/>
+        </a:solidFill>
+        <a:latin typeface="+mn-lt"/>
+        <a:ea typeface="+mn-ea"/>
+        <a:cs typeface="+mn-cs"/>
+      </a:defRPr>
+    </a:lvl1pPr>
+    <a:lvl2pPr marL="457200" algn="l" defTabSz="914400" rtl="0" eaLnBrk="1" latinLnBrk="0" hangingPunct="1">
+      <a:defRPr sz="1200" kern="1200">
+        <a:solidFill>
+          <a:schemeClr val="tx1"/>
+        </a:solidFill>
+        <a:latin typeface="+mn-lt"/>
+        <a:ea typeface="+mn-ea"/>
+        <a:cs typeface="+mn-cs"/>
+      </a:defRPr>
+    </a:lvl2pPr>
+    <a:lvl3pPr marL="914400" algn="l" defTabSz="914400" rtl="0" eaLnBrk="1" latinLnBrk="0" hangingPunct="1">
+      <a:defRPr sz="1200" kern="1200">
+        <a:solidFill>
+          <a:schemeClr val="tx1"/>
+        </a:solidFill>
+        <a:latin typeface="+mn-lt"/>
+        <a:ea typeface="+mn-ea"/>
+        <a:cs typeface="+mn-cs"/>
+      </a:defRPr>
+    </a:lvl3pPr>
+    <a:lvl4pPr marL="1371600" algn="l" defTabSz="914400" rtl="0" eaLnBrk="1" latinLnBrk="0" hangingPunct="1">
+      <a:defRPr sz="1200" kern="1200">
+        <a:solidFill>
+          <a:schemeClr val="tx1"/>
+        </a:solidFill>
+        <a:latin typeface="+mn-lt"/>
+        <a:ea typeface="+mn-ea"/>
+        <a:cs typeface="+mn-cs"/>
+      </a:defRPr>
+    </a:lvl4pPr>
+    <a:lvl5pPr marL="1828800" algn="l" defTabSz="914400" rtl="0" eaLnBrk="1" latinLnBrk="0" hangingPunct="1">
+      <a:defRPr sz="1200" kern="1200">
+        <a:solidFill>
+          <a:schemeClr val="tx1"/>
+        </a:solidFill>
+        <a:latin typeface="+mn-lt"/>
+        <a:ea typeface="+mn-ea"/>
+        <a:cs typeface="+mn-cs"/>
+      </a:defRPr>
+    </a:lvl5pPr>
+    <a:lvl6pPr marL="2286000" algn="l" defTabSz="914400" rtl="0" eaLnBrk="1" latinLnBrk="0" hangingPunct="1">
+      <a:defRPr sz="1200" kern="1200">
+        <a:solidFill>
+          <a:schemeClr val="tx1"/>
+        </a:solidFill>
+        <a:latin typeface="+mn-lt"/>
+        <a:ea typeface="+mn-ea"/>
+        <a:cs typeface="+mn-cs"/>
+      </a:defRPr>
+    </a:lvl6pPr>
+    <a:lvl7pPr marL="2743200" algn="l" defTabSz="914400" rtl="0" eaLnBrk="1" latinLnBrk="0" hangingPunct="1">
+      <a:defRPr sz="1200" kern="1200">
+        <a:solidFill>
+          <a:schemeClr val="tx1"/>
+        </a:solidFill>
+        <a:latin typeface="+mn-lt"/>
+        <a:ea typeface="+mn-ea"/>
+        <a:cs typeface="+mn-cs"/>
+      </a:defRPr>
+    </a:lvl7pPr>
+    <a:lvl8pPr marL="3200400" algn="l" defTabSz="914400" rtl="0" eaLnBrk="1" latinLnBrk="0" hangingPunct="1">
+      <a:defRPr sz="1200" kern="1200">
+        <a:solidFill>
+          <a:schemeClr val="tx1"/>
+        </a:solidFill>
+        <a:latin typeface="+mn-lt"/>
+        <a:ea typeface="+mn-ea"/>
+        <a:cs typeface="+mn-cs"/>
+      </a:defRPr>
+    </a:lvl8pPr>
+    <a:lvl9pPr marL="3657600" algn="l" defTabSz="914400" rtl="0" eaLnBrk="1" latinLnBrk="0" hangingPunct="1">
+      <a:defRPr sz="1200" kern="1200">
+        <a:solidFill>
+          <a:schemeClr val="tx1"/>
+        </a:solidFill>
+        <a:latin typeface="+mn-lt"/>
+        <a:ea typeface="+mn-ea"/>
+        <a:cs typeface="+mn-cs"/>
+      </a:defRPr>
+    </a:lvl9pPr>
+  </p:notesStyle>
+</p:notesMaster>
+</file>
+
+<file path=ppt/slideLayouts/slideLayout1.xml><?xml version="1.0" encoding="utf-8"?>
+<p:sldLayout xmlns:a="http://schemas.openxmlformats.org/drawingml/2006/main" xmlns:r="http://schemas.openxmlformats.org/officeDocument/2006/relationships" xmlns:p="http://schemas.openxmlformats.org/presentationml/2006/main" type="title" preserve="1">
+  <p:cSld name="Title Slide Layout">
+    <p:spTree>
+      <p:nvGrpSpPr>
+        <p:cNvPr id="1" name=""/>
+        <p:cNvGrpSpPr/>
+        <p:nvPr/>
+      </p:nvGrpSpPr>
+      <p:grpSpPr>
+        <a:xfrm>
+          <a:off x="0" y="0"/>
+          <a:ext cx="0" cy="0"/>
+          <a:chOff x="0" y="0"/>
+          <a:chExt cx="0" cy="0"/>
+        </a:xfrm>
+      </p:grpSpPr>
+      <p:sp>
+        <p:nvSpPr>
+          <p:cNvPr id="2" name="Titre 1"/>
+          <p:cNvSpPr>
+            <a:spLocks noGrp="1"/>
+          </p:cNvSpPr>
+          <p:nvPr>
+            <p:ph type="ctrTitle"/>
+          </p:nvPr>
+        </p:nvSpPr>
+        <p:spPr>
+          <a:xfrm>
+            <a:off x="685800" y="2130425"/>
+            <a:ext cx="7772400" cy="1470025"/>
           </a:xfrm>
         </p:spPr>
         <p:txBody>
@@ -173,7 +680,7 @@
             <a:lvl1pPr>
               <a:defRPr>
                 <a:solidFill>
-                  <a:srgbClr val="2D2D2D"/>
+                  <a:srgbClr val="632423"/>
                 </a:solidFill>
               </a:defRPr>
             </a:lvl1pPr>
@@ -199,8 +706,8 @@
         </p:nvSpPr>
         <p:spPr>
           <a:xfrm>
-            <a:off x="1371600" y="2914650"/>
-            <a:ext cx="6400800" cy="1314450"/>
+            <a:off x="1371600" y="3886200"/>
+            <a:ext cx="6400800" cy="1752600"/>
           </a:xfrm>
         </p:spPr>
         <p:txBody>
@@ -210,7 +717,7 @@
               <a:buNone/>
               <a:defRPr>
                 <a:solidFill>
-                  <a:srgbClr val="E96757"/>
+                  <a:srgbClr val="C0504D"/>
                 </a:solidFill>
               </a:defRPr>
             </a:lvl1pPr>
@@ -319,11 +826,12 @@
           <a:bodyPr/>
           <a:lstStyle/>
           <a:p>
-            <a:fld id="{9C62A8FC-B0A8-4E22-8F70-522498ABD20C}" type="datetimeFigureOut">
-              <a:rPr lang="fr-FR" smtClean="0"/>
-              <a:t>09/07/2025</a:t>
+            <a:fld id="{4A29E8C7-C272-44A6-BA12-3FD591C0F95D}" type="datetimeFigureOut">
+              <a:rPr lang="fr-FR" smtClean="0"/>
+              <a:pPr/>
+              <a:t>07/07/2025</a:t>
             </a:fld>
-            <a:endParaRPr lang="fr-FR"/>
+            <a:endParaRPr lang="fr-FR" dirty="0"/>
           </a:p>
         </p:txBody>
       </p:sp>
@@ -337,20 +845,12 @@
             <p:ph type="ftr" sz="quarter" idx="11"/>
           </p:nvPr>
         </p:nvSpPr>
-        <p:spPr>
-          <a:xfrm>
-            <a:off x="3124200" y="4767263"/>
-            <a:ext cx="2895600" cy="273844"/>
-          </a:xfrm>
-          <a:prstGeom prst="rect">
-            <a:avLst/>
-          </a:prstGeom>
-        </p:spPr>
+        <p:spPr/>
         <p:txBody>
           <a:bodyPr/>
           <a:lstStyle/>
           <a:p>
-            <a:endParaRPr lang="fr-FR"/>
+            <a:endParaRPr lang="fr-FR" dirty="0"/>
           </a:p>
         </p:txBody>
       </p:sp>
@@ -364,31 +864,24 @@
             <p:ph type="sldNum" sz="quarter" idx="12"/>
           </p:nvPr>
         </p:nvSpPr>
-        <p:spPr>
-          <a:xfrm>
-            <a:off x="6553200" y="4767263"/>
-            <a:ext cx="2133600" cy="273844"/>
-          </a:xfrm>
-          <a:prstGeom prst="rect">
-            <a:avLst/>
-          </a:prstGeom>
-        </p:spPr>
+        <p:spPr/>
         <p:txBody>
           <a:bodyPr/>
           <a:lstStyle/>
           <a:p>
-            <a:fld id="{1BB801FD-CD95-495A-A8AE-F179A5288AA1}" type="slidenum">
-              <a:rPr lang="fr-FR" smtClean="0"/>
+            <a:fld id="{1B3E0209-B3C1-4BB1-AE6C-37FA476D3CB0}" type="slidenum">
+              <a:rPr lang="fr-FR" smtClean="0"/>
+              <a:pPr/>
               <a:t>‹N°›</a:t>
             </a:fld>
-            <a:endParaRPr lang="fr-FR"/>
+            <a:endParaRPr lang="fr-FR" dirty="0"/>
           </a:p>
         </p:txBody>
       </p:sp>
     </p:spTree>
     <p:extLst>
       <p:ext uri="{BB962C8B-B14F-4D97-AF65-F5344CB8AC3E}">
-        <p14:creationId xmlns:p14="http://schemas.microsoft.com/office/powerpoint/2010/main" val="2329906646"/>
+        <p14:creationId xmlns:p14="http://schemas.microsoft.com/office/powerpoint/2010/main" val="2109384698"/>
       </p:ext>
     </p:extLst>
   </p:cSld>
@@ -405,9 +898,9 @@
 </p:sldLayout>
 </file>
 
-<file path=ppt/slideLayouts/slideLayout2.xml><?xml version="1.0" encoding="utf-8"?>
-<p:sldLayout xmlns:a="http://schemas.openxmlformats.org/drawingml/2006/main" xmlns:r="http://schemas.openxmlformats.org/officeDocument/2006/relationships" xmlns:p="http://schemas.openxmlformats.org/presentationml/2006/main" preserve="1" userDrawn="1">
-  <p:cSld name="Participants">
+<file path=ppt/slideLayouts/slideLayout10.xml><?xml version="1.0" encoding="utf-8"?>
+<p:sldLayout xmlns:a="http://schemas.openxmlformats.org/drawingml/2006/main" xmlns:r="http://schemas.openxmlformats.org/officeDocument/2006/relationships" xmlns:p="http://schemas.openxmlformats.org/presentationml/2006/main" type="vertTx" preserve="1">
+  <p:cSld name="Texte vertical">
     <p:spTree>
       <p:nvGrpSpPr>
         <p:cNvPr id="1" name=""/>
@@ -432,71 +925,293 @@
             <p:ph type="title"/>
           </p:nvPr>
         </p:nvSpPr>
+        <p:spPr/>
+        <p:txBody>
+          <a:bodyPr/>
+          <a:lstStyle/>
+          <a:p>
+            <a:r>
+              <a:rPr lang="fr-FR" smtClean="0"/>
+              <a:t>Modifiez le style du titre</a:t>
+            </a:r>
+            <a:endParaRPr lang="fr-FR"/>
+          </a:p>
+        </p:txBody>
+      </p:sp>
+      <p:sp>
+        <p:nvSpPr>
+          <p:cNvPr id="3" name="Espace réservé du texte vertical 2"/>
+          <p:cNvSpPr>
+            <a:spLocks noGrp="1"/>
+          </p:cNvSpPr>
+          <p:nvPr>
+            <p:ph type="body" orient="vert" idx="1"/>
+          </p:nvPr>
+        </p:nvSpPr>
+        <p:spPr/>
+        <p:txBody>
+          <a:bodyPr vert="eaVert"/>
+          <a:lstStyle/>
+          <a:p>
+            <a:pPr lvl="0"/>
+            <a:r>
+              <a:rPr lang="fr-FR" smtClean="0"/>
+              <a:t>Modifiez les styles du texte du masque</a:t>
+            </a:r>
+          </a:p>
+          <a:p>
+            <a:pPr lvl="1"/>
+            <a:r>
+              <a:rPr lang="fr-FR" smtClean="0"/>
+              <a:t>Deuxième niveau</a:t>
+            </a:r>
+          </a:p>
+          <a:p>
+            <a:pPr lvl="2"/>
+            <a:r>
+              <a:rPr lang="fr-FR" smtClean="0"/>
+              <a:t>Troisième niveau</a:t>
+            </a:r>
+          </a:p>
+          <a:p>
+            <a:pPr lvl="3"/>
+            <a:r>
+              <a:rPr lang="fr-FR" smtClean="0"/>
+              <a:t>Quatrième niveau</a:t>
+            </a:r>
+          </a:p>
+          <a:p>
+            <a:pPr lvl="4"/>
+            <a:r>
+              <a:rPr lang="fr-FR" smtClean="0"/>
+              <a:t>Cinquième niveau</a:t>
+            </a:r>
+            <a:endParaRPr lang="fr-FR"/>
+          </a:p>
+        </p:txBody>
+      </p:sp>
+      <p:sp>
+        <p:nvSpPr>
+          <p:cNvPr id="4" name="Espace réservé de la date 3"/>
+          <p:cNvSpPr>
+            <a:spLocks noGrp="1"/>
+          </p:cNvSpPr>
+          <p:nvPr>
+            <p:ph type="dt" sz="half" idx="10"/>
+          </p:nvPr>
+        </p:nvSpPr>
+        <p:spPr/>
+        <p:txBody>
+          <a:bodyPr/>
+          <a:lstStyle/>
+          <a:p>
+            <a:fld id="{4A29E8C7-C272-44A6-BA12-3FD591C0F95D}" type="datetimeFigureOut">
+              <a:rPr lang="fr-FR" smtClean="0"/>
+              <a:pPr/>
+              <a:t>07/07/2025</a:t>
+            </a:fld>
+            <a:endParaRPr lang="fr-FR" dirty="0"/>
+          </a:p>
+        </p:txBody>
+      </p:sp>
+      <p:sp>
+        <p:nvSpPr>
+          <p:cNvPr id="5" name="Espace réservé du pied de page 4"/>
+          <p:cNvSpPr>
+            <a:spLocks noGrp="1"/>
+          </p:cNvSpPr>
+          <p:nvPr>
+            <p:ph type="ftr" sz="quarter" idx="11"/>
+          </p:nvPr>
+        </p:nvSpPr>
+        <p:spPr/>
+        <p:txBody>
+          <a:bodyPr/>
+          <a:lstStyle/>
+          <a:p>
+            <a:endParaRPr lang="fr-FR" dirty="0"/>
+          </a:p>
+        </p:txBody>
+      </p:sp>
+      <p:sp>
+        <p:nvSpPr>
+          <p:cNvPr id="6" name="Espace réservé du numéro de diapositive 5"/>
+          <p:cNvSpPr>
+            <a:spLocks noGrp="1"/>
+          </p:cNvSpPr>
+          <p:nvPr>
+            <p:ph type="sldNum" sz="quarter" idx="12"/>
+          </p:nvPr>
+        </p:nvSpPr>
+        <p:spPr/>
+        <p:txBody>
+          <a:bodyPr/>
+          <a:lstStyle/>
+          <a:p>
+            <a:fld id="{1B3E0209-B3C1-4BB1-AE6C-37FA476D3CB0}" type="slidenum">
+              <a:rPr lang="fr-FR" smtClean="0"/>
+              <a:pPr/>
+              <a:t>‹N°›</a:t>
+            </a:fld>
+            <a:endParaRPr lang="fr-FR" dirty="0"/>
+          </a:p>
+        </p:txBody>
+      </p:sp>
+    </p:spTree>
+    <p:extLst>
+      <p:ext uri="{BB962C8B-B14F-4D97-AF65-F5344CB8AC3E}">
+        <p14:creationId xmlns:p14="http://schemas.microsoft.com/office/powerpoint/2010/main" val="2413597673"/>
+      </p:ext>
+    </p:extLst>
+  </p:cSld>
+  <p:clrMapOvr>
+    <a:masterClrMapping/>
+  </p:clrMapOvr>
+</p:sldLayout>
+</file>
+
+<file path=ppt/slideLayouts/slideLayout11.xml><?xml version="1.0" encoding="utf-8"?>
+<p:sldLayout xmlns:a="http://schemas.openxmlformats.org/drawingml/2006/main" xmlns:r="http://schemas.openxmlformats.org/officeDocument/2006/relationships" xmlns:p="http://schemas.openxmlformats.org/presentationml/2006/main" type="vertTitleAndTx" preserve="1">
+  <p:cSld name="Tout vertical">
+    <p:spTree>
+      <p:nvGrpSpPr>
+        <p:cNvPr id="1" name=""/>
+        <p:cNvGrpSpPr/>
+        <p:nvPr/>
+      </p:nvGrpSpPr>
+      <p:grpSpPr>
+        <a:xfrm>
+          <a:off x="0" y="0"/>
+          <a:ext cx="0" cy="0"/>
+          <a:chOff x="0" y="0"/>
+          <a:chExt cx="0" cy="0"/>
+        </a:xfrm>
+      </p:grpSpPr>
+      <p:sp>
+        <p:nvSpPr>
+          <p:cNvPr id="2" name="Titre vertical 1"/>
+          <p:cNvSpPr>
+            <a:spLocks noGrp="1"/>
+          </p:cNvSpPr>
+          <p:nvPr>
+            <p:ph type="title" orient="vert"/>
+          </p:nvPr>
+        </p:nvSpPr>
         <p:spPr>
           <a:xfrm>
-            <a:off x="457200" y="123478"/>
-            <a:ext cx="8229600" cy="1008111"/>
+            <a:off x="6629400" y="274638"/>
+            <a:ext cx="2057400" cy="5851525"/>
           </a:xfrm>
         </p:spPr>
         <p:txBody>
-          <a:bodyPr/>
-          <a:lstStyle/>
-          <a:p>
-            <a:r>
-              <a:rPr lang="fr-FR" dirty="0" smtClean="0"/>
+          <a:bodyPr vert="eaVert"/>
+          <a:lstStyle/>
+          <a:p>
+            <a:r>
+              <a:rPr lang="fr-FR" smtClean="0"/>
               <a:t>Modifiez le style du titre</a:t>
             </a:r>
-            <a:endParaRPr lang="fr-FR" dirty="0"/>
-          </a:p>
-        </p:txBody>
-      </p:sp>
-      <p:sp>
-        <p:nvSpPr>
-          <p:cNvPr id="4" name="Espace réservé de la date 3"/>
-          <p:cNvSpPr>
-            <a:spLocks noGrp="1"/>
-          </p:cNvSpPr>
-          <p:nvPr>
-            <p:ph type="dt" sz="half" idx="10"/>
-          </p:nvPr>
-        </p:nvSpPr>
-        <p:spPr/>
-        <p:txBody>
-          <a:bodyPr/>
-          <a:lstStyle/>
-          <a:p>
-            <a:fld id="{9C62A8FC-B0A8-4E22-8F70-522498ABD20C}" type="datetimeFigureOut">
-              <a:rPr lang="fr-FR" smtClean="0"/>
-              <a:t>09/07/2025</a:t>
-            </a:fld>
             <a:endParaRPr lang="fr-FR"/>
           </a:p>
         </p:txBody>
       </p:sp>
       <p:sp>
         <p:nvSpPr>
-          <p:cNvPr id="5" name="Espace réservé du pied de page 4"/>
-          <p:cNvSpPr>
-            <a:spLocks noGrp="1"/>
-          </p:cNvSpPr>
-          <p:nvPr>
-            <p:ph type="ftr" sz="quarter" idx="11"/>
+          <p:cNvPr id="3" name="Espace réservé du texte vertical 2"/>
+          <p:cNvSpPr>
+            <a:spLocks noGrp="1"/>
+          </p:cNvSpPr>
+          <p:nvPr>
+            <p:ph type="body" orient="vert" idx="1"/>
           </p:nvPr>
         </p:nvSpPr>
         <p:spPr>
           <a:xfrm>
-            <a:off x="3124200" y="4767263"/>
-            <a:ext cx="2895600" cy="273844"/>
+            <a:off x="457200" y="274638"/>
+            <a:ext cx="6019800" cy="5851525"/>
           </a:xfrm>
-          <a:prstGeom prst="rect">
-            <a:avLst/>
-          </a:prstGeom>
         </p:spPr>
         <p:txBody>
+          <a:bodyPr vert="eaVert"/>
+          <a:lstStyle/>
+          <a:p>
+            <a:pPr lvl="0"/>
+            <a:r>
+              <a:rPr lang="fr-FR" smtClean="0"/>
+              <a:t>Modifiez les styles du texte du masque</a:t>
+            </a:r>
+          </a:p>
+          <a:p>
+            <a:pPr lvl="1"/>
+            <a:r>
+              <a:rPr lang="fr-FR" smtClean="0"/>
+              <a:t>Deuxième niveau</a:t>
+            </a:r>
+          </a:p>
+          <a:p>
+            <a:pPr lvl="2"/>
+            <a:r>
+              <a:rPr lang="fr-FR" smtClean="0"/>
+              <a:t>Troisième niveau</a:t>
+            </a:r>
+          </a:p>
+          <a:p>
+            <a:pPr lvl="3"/>
+            <a:r>
+              <a:rPr lang="fr-FR" smtClean="0"/>
+              <a:t>Quatrième niveau</a:t>
+            </a:r>
+          </a:p>
+          <a:p>
+            <a:pPr lvl="4"/>
+            <a:r>
+              <a:rPr lang="fr-FR" smtClean="0"/>
+              <a:t>Cinquième niveau</a:t>
+            </a:r>
+            <a:endParaRPr lang="fr-FR"/>
+          </a:p>
+        </p:txBody>
+      </p:sp>
+      <p:sp>
+        <p:nvSpPr>
+          <p:cNvPr id="4" name="Espace réservé de la date 3"/>
+          <p:cNvSpPr>
+            <a:spLocks noGrp="1"/>
+          </p:cNvSpPr>
+          <p:nvPr>
+            <p:ph type="dt" sz="half" idx="10"/>
+          </p:nvPr>
+        </p:nvSpPr>
+        <p:spPr/>
+        <p:txBody>
           <a:bodyPr/>
           <a:lstStyle/>
           <a:p>
-            <a:endParaRPr lang="fr-FR"/>
+            <a:fld id="{4A29E8C7-C272-44A6-BA12-3FD591C0F95D}" type="datetimeFigureOut">
+              <a:rPr lang="fr-FR" smtClean="0"/>
+              <a:pPr/>
+              <a:t>07/07/2025</a:t>
+            </a:fld>
+            <a:endParaRPr lang="fr-FR" dirty="0"/>
+          </a:p>
+        </p:txBody>
+      </p:sp>
+      <p:sp>
+        <p:nvSpPr>
+          <p:cNvPr id="5" name="Espace réservé du pied de page 4"/>
+          <p:cNvSpPr>
+            <a:spLocks noGrp="1"/>
+          </p:cNvSpPr>
+          <p:nvPr>
+            <p:ph type="ftr" sz="quarter" idx="11"/>
+          </p:nvPr>
+        </p:nvSpPr>
+        <p:spPr/>
+        <p:txBody>
+          <a:bodyPr/>
+          <a:lstStyle/>
+          <a:p>
+            <a:endParaRPr lang="fr-FR" dirty="0"/>
           </a:p>
         </p:txBody>
       </p:sp>
@@ -510,44 +1225,360 @@
             <p:ph type="sldNum" sz="quarter" idx="12"/>
           </p:nvPr>
         </p:nvSpPr>
-        <p:spPr>
-          <a:xfrm>
-            <a:off x="6553200" y="4767263"/>
-            <a:ext cx="2133600" cy="273844"/>
-          </a:xfrm>
-          <a:prstGeom prst="rect">
-            <a:avLst/>
-          </a:prstGeom>
-        </p:spPr>
+        <p:spPr/>
         <p:txBody>
           <a:bodyPr/>
           <a:lstStyle/>
           <a:p>
-            <a:fld id="{1BB801FD-CD95-495A-A8AE-F179A5288AA1}" type="slidenum">
-              <a:rPr lang="fr-FR" smtClean="0"/>
+            <a:fld id="{1B3E0209-B3C1-4BB1-AE6C-37FA476D3CB0}" type="slidenum">
+              <a:rPr lang="fr-FR" smtClean="0"/>
+              <a:pPr/>
               <a:t>‹N°›</a:t>
             </a:fld>
+            <a:endParaRPr lang="fr-FR" dirty="0"/>
+          </a:p>
+        </p:txBody>
+      </p:sp>
+    </p:spTree>
+    <p:extLst>
+      <p:ext uri="{BB962C8B-B14F-4D97-AF65-F5344CB8AC3E}">
+        <p14:creationId xmlns:p14="http://schemas.microsoft.com/office/powerpoint/2010/main" val="3060637267"/>
+      </p:ext>
+    </p:extLst>
+  </p:cSld>
+  <p:clrMapOvr>
+    <a:masterClrMapping/>
+  </p:clrMapOvr>
+</p:sldLayout>
+</file>
+
+<file path=ppt/slideLayouts/slideLayout12.xml><?xml version="1.0" encoding="utf-8"?>
+<p:sldLayout xmlns:a="http://schemas.openxmlformats.org/drawingml/2006/main" xmlns:r="http://schemas.openxmlformats.org/officeDocument/2006/relationships" xmlns:p="http://schemas.openxmlformats.org/presentationml/2006/main" type="tx" preserve="1">
+  <p:cSld name="Normal">
+    <p:spTree>
+      <p:nvGrpSpPr>
+        <p:cNvPr id="1" name=""/>
+        <p:cNvGrpSpPr/>
+        <p:nvPr/>
+      </p:nvGrpSpPr>
+      <p:grpSpPr>
+        <a:xfrm>
+          <a:off x="0" y="0"/>
+          <a:ext cx="0" cy="0"/>
+          <a:chOff x="0" y="0"/>
+          <a:chExt cx="0" cy="0"/>
+        </a:xfrm>
+      </p:grpSpPr>
+      <p:sp>
+        <p:nvSpPr>
+          <p:cNvPr id="2" name="Titre 1"/>
+          <p:cNvSpPr>
+            <a:spLocks noGrp="1"/>
+          </p:cNvSpPr>
+          <p:nvPr>
+            <p:ph type="title"/>
+          </p:nvPr>
+        </p:nvSpPr>
+        <p:spPr/>
+        <p:txBody>
+          <a:bodyPr/>
+          <a:lstStyle/>
+          <a:p>
+            <a:r>
+              <a:rPr lang="fr-FR" smtClean="0"/>
+              <a:t>Modifiez le style du titre</a:t>
+            </a:r>
             <a:endParaRPr lang="fr-FR"/>
+          </a:p>
+        </p:txBody>
+      </p:sp>
+      <p:sp>
+        <p:nvSpPr>
+          <p:cNvPr id="3" name="Espace réservé du texte 2"/>
+          <p:cNvSpPr>
+            <a:spLocks noGrp="1"/>
+          </p:cNvSpPr>
+          <p:nvPr>
+            <p:ph type="body" idx="1"/>
+          </p:nvPr>
+        </p:nvSpPr>
+        <p:spPr/>
+        <p:txBody>
+          <a:bodyPr/>
+          <a:lstStyle>
+            <a:lvl1pPr>
+              <a:lnSpc>
+                <a:spcPct val="150000"/>
+              </a:lnSpc>
+              <a:defRPr/>
+            </a:lvl1pPr>
+            <a:lvl2pPr>
+              <a:lnSpc>
+                <a:spcPct val="150000"/>
+              </a:lnSpc>
+              <a:defRPr/>
+            </a:lvl2pPr>
+            <a:lvl3pPr>
+              <a:lnSpc>
+                <a:spcPct val="150000"/>
+              </a:lnSpc>
+              <a:defRPr/>
+            </a:lvl3pPr>
+            <a:lvl4pPr>
+              <a:lnSpc>
+                <a:spcPct val="150000"/>
+              </a:lnSpc>
+              <a:defRPr/>
+            </a:lvl4pPr>
+            <a:lvl5pPr>
+              <a:lnSpc>
+                <a:spcPct val="150000"/>
+              </a:lnSpc>
+              <a:defRPr/>
+            </a:lvl5pPr>
+          </a:lstStyle>
+          <a:p>
+            <a:pPr lvl="0"/>
+            <a:r>
+              <a:rPr lang="fr-FR" dirty="0" smtClean="0"/>
+              <a:t>Modifiez les styles du texte du masque</a:t>
+            </a:r>
+          </a:p>
+          <a:p>
+            <a:pPr lvl="1"/>
+            <a:r>
+              <a:rPr lang="fr-FR" dirty="0" smtClean="0"/>
+              <a:t>Deuxième niveau</a:t>
+            </a:r>
+          </a:p>
+          <a:p>
+            <a:pPr lvl="2"/>
+            <a:r>
+              <a:rPr lang="fr-FR" dirty="0" smtClean="0"/>
+              <a:t>Troisième niveau</a:t>
+            </a:r>
+          </a:p>
+          <a:p>
+            <a:pPr lvl="3"/>
+            <a:r>
+              <a:rPr lang="fr-FR" dirty="0" smtClean="0"/>
+              <a:t>Quatrième niveau</a:t>
+            </a:r>
+          </a:p>
+          <a:p>
+            <a:pPr lvl="4"/>
+            <a:r>
+              <a:rPr lang="fr-FR" dirty="0" smtClean="0"/>
+              <a:t>Cinquième niveau</a:t>
+            </a:r>
+            <a:endParaRPr lang="fr-FR" dirty="0"/>
+          </a:p>
+        </p:txBody>
+      </p:sp>
+      <p:sp>
+        <p:nvSpPr>
+          <p:cNvPr id="4" name="Espace réservé de la date 3"/>
+          <p:cNvSpPr>
+            <a:spLocks noGrp="1"/>
+          </p:cNvSpPr>
+          <p:nvPr>
+            <p:ph type="dt" sz="half" idx="10"/>
+          </p:nvPr>
+        </p:nvSpPr>
+        <p:spPr/>
+        <p:txBody>
+          <a:bodyPr/>
+          <a:lstStyle/>
+          <a:p>
+            <a:fld id="{4A29E8C7-C272-44A6-BA12-3FD591C0F95D}" type="datetimeFigureOut">
+              <a:rPr lang="fr-FR" smtClean="0"/>
+              <a:pPr/>
+              <a:t>07/07/2025</a:t>
+            </a:fld>
+            <a:endParaRPr lang="fr-FR" dirty="0"/>
+          </a:p>
+        </p:txBody>
+      </p:sp>
+      <p:sp>
+        <p:nvSpPr>
+          <p:cNvPr id="5" name="Espace réservé du pied de page 4"/>
+          <p:cNvSpPr>
+            <a:spLocks noGrp="1"/>
+          </p:cNvSpPr>
+          <p:nvPr>
+            <p:ph type="ftr" sz="quarter" idx="11"/>
+          </p:nvPr>
+        </p:nvSpPr>
+        <p:spPr/>
+        <p:txBody>
+          <a:bodyPr/>
+          <a:lstStyle/>
+          <a:p>
+            <a:endParaRPr lang="fr-FR" dirty="0"/>
+          </a:p>
+        </p:txBody>
+      </p:sp>
+      <p:sp>
+        <p:nvSpPr>
+          <p:cNvPr id="6" name="Espace réservé du numéro de diapositive 5"/>
+          <p:cNvSpPr>
+            <a:spLocks noGrp="1"/>
+          </p:cNvSpPr>
+          <p:nvPr>
+            <p:ph type="sldNum" sz="quarter" idx="12"/>
+          </p:nvPr>
+        </p:nvSpPr>
+        <p:spPr/>
+        <p:txBody>
+          <a:bodyPr/>
+          <a:lstStyle/>
+          <a:p>
+            <a:fld id="{1B3E0209-B3C1-4BB1-AE6C-37FA476D3CB0}" type="slidenum">
+              <a:rPr lang="fr-FR" smtClean="0"/>
+              <a:pPr/>
+              <a:t>‹N°›</a:t>
+            </a:fld>
+            <a:endParaRPr lang="fr-FR" dirty="0"/>
+          </a:p>
+        </p:txBody>
+      </p:sp>
+    </p:spTree>
+    <p:extLst>
+      <p:ext uri="{BB962C8B-B14F-4D97-AF65-F5344CB8AC3E}">
+        <p14:creationId xmlns:p14="http://schemas.microsoft.com/office/powerpoint/2010/main" val="1317878596"/>
+      </p:ext>
+    </p:extLst>
+  </p:cSld>
+  <p:clrMapOvr>
+    <a:masterClrMapping/>
+  </p:clrMapOvr>
+</p:sldLayout>
+</file>
+
+<file path=ppt/slideLayouts/slideLayout2.xml><?xml version="1.0" encoding="utf-8"?>
+<p:sldLayout xmlns:a="http://schemas.openxmlformats.org/drawingml/2006/main" xmlns:r="http://schemas.openxmlformats.org/officeDocument/2006/relationships" xmlns:p="http://schemas.openxmlformats.org/presentationml/2006/main" preserve="1" userDrawn="1">
+  <p:cSld name="Participants Slide Layout">
+    <p:spTree>
+      <p:nvGrpSpPr>
+        <p:cNvPr id="1" name=""/>
+        <p:cNvGrpSpPr/>
+        <p:nvPr/>
+      </p:nvGrpSpPr>
+      <p:grpSpPr>
+        <a:xfrm>
+          <a:off x="0" y="0"/>
+          <a:ext cx="0" cy="0"/>
+          <a:chOff x="0" y="0"/>
+          <a:chExt cx="0" cy="0"/>
+        </a:xfrm>
+      </p:grpSpPr>
+      <p:sp>
+        <p:nvSpPr>
+          <p:cNvPr id="2" name="Titre 1"/>
+          <p:cNvSpPr>
+            <a:spLocks noGrp="1"/>
+          </p:cNvSpPr>
+          <p:nvPr>
+            <p:ph type="title"/>
+          </p:nvPr>
+        </p:nvSpPr>
+        <p:spPr/>
+        <p:txBody>
+          <a:bodyPr/>
+          <a:lstStyle/>
+          <a:p>
+            <a:r>
+              <a:rPr lang="fr-FR" smtClean="0"/>
+              <a:t>Modifiez le style du titre</a:t>
+            </a:r>
+            <a:endParaRPr lang="fr-FR"/>
+          </a:p>
+        </p:txBody>
+      </p:sp>
+      <p:sp>
+        <p:nvSpPr>
+          <p:cNvPr id="4" name="Espace réservé de la date 3"/>
+          <p:cNvSpPr>
+            <a:spLocks noGrp="1"/>
+          </p:cNvSpPr>
+          <p:nvPr>
+            <p:ph type="dt" sz="half" idx="10"/>
+          </p:nvPr>
+        </p:nvSpPr>
+        <p:spPr/>
+        <p:txBody>
+          <a:bodyPr/>
+          <a:lstStyle/>
+          <a:p>
+            <a:fld id="{4A29E8C7-C272-44A6-BA12-3FD591C0F95D}" type="datetimeFigureOut">
+              <a:rPr lang="fr-FR" smtClean="0"/>
+              <a:pPr/>
+              <a:t>07/07/2025</a:t>
+            </a:fld>
+            <a:endParaRPr lang="fr-FR" dirty="0"/>
+          </a:p>
+        </p:txBody>
+      </p:sp>
+      <p:sp>
+        <p:nvSpPr>
+          <p:cNvPr id="5" name="Espace réservé du pied de page 4"/>
+          <p:cNvSpPr>
+            <a:spLocks noGrp="1"/>
+          </p:cNvSpPr>
+          <p:nvPr>
+            <p:ph type="ftr" sz="quarter" idx="11"/>
+          </p:nvPr>
+        </p:nvSpPr>
+        <p:spPr/>
+        <p:txBody>
+          <a:bodyPr/>
+          <a:lstStyle/>
+          <a:p>
+            <a:endParaRPr lang="fr-FR" dirty="0"/>
+          </a:p>
+        </p:txBody>
+      </p:sp>
+      <p:sp>
+        <p:nvSpPr>
+          <p:cNvPr id="6" name="Espace réservé du numéro de diapositive 5"/>
+          <p:cNvSpPr>
+            <a:spLocks noGrp="1"/>
+          </p:cNvSpPr>
+          <p:nvPr>
+            <p:ph type="sldNum" sz="quarter" idx="12"/>
+          </p:nvPr>
+        </p:nvSpPr>
+        <p:spPr/>
+        <p:txBody>
+          <a:bodyPr/>
+          <a:lstStyle/>
+          <a:p>
+            <a:fld id="{1B3E0209-B3C1-4BB1-AE6C-37FA476D3CB0}" type="slidenum">
+              <a:rPr lang="fr-FR" smtClean="0"/>
+              <a:pPr/>
+              <a:t>‹N°›</a:t>
+            </a:fld>
+            <a:endParaRPr lang="fr-FR" dirty="0"/>
           </a:p>
         </p:txBody>
       </p:sp>
       <p:graphicFrame>
         <p:nvGraphicFramePr>
-          <p:cNvPr id="7" name="Tableau 6"/>
+          <p:cNvPr id="3" name="Tableau 2" title="ParticipantsTablePlaceholder"/>
           <p:cNvGraphicFramePr>
             <a:graphicFrameLocks noGrp="1"/>
           </p:cNvGraphicFramePr>
           <p:nvPr userDrawn="1">
             <p:extLst>
               <p:ext uri="{D42A27DB-BD31-4B8C-83A1-F6EECF244321}">
-                <p14:modId xmlns:p14="http://schemas.microsoft.com/office/powerpoint/2010/main" val="1612828611"/>
+                <p14:modId xmlns:p14="http://schemas.microsoft.com/office/powerpoint/2010/main" val="517106573"/>
               </p:ext>
             </p:extLst>
           </p:nvPr>
         </p:nvGraphicFramePr>
         <p:xfrm>
-          <a:off x="467544" y="1275606"/>
-          <a:ext cx="8208912" cy="741680"/>
+          <a:off x="323528" y="1772816"/>
+          <a:ext cx="8352928" cy="741680"/>
         </p:xfrm>
         <a:graphic>
           <a:graphicData uri="http://schemas.openxmlformats.org/drawingml/2006/table">
@@ -556,10 +1587,10 @@
                 <a:tableStyleId>{5C22544A-7EE6-4342-B048-85BDC9FD1C3A}</a:tableStyleId>
               </a:tblPr>
               <a:tblGrid>
-                <a:gridCol w="720080"/>
-                <a:gridCol w="1728192"/>
-                <a:gridCol w="2808312"/>
-                <a:gridCol w="2952328"/>
+                <a:gridCol w="1008112"/>
+                <a:gridCol w="1584176"/>
+                <a:gridCol w="3024336"/>
+                <a:gridCol w="2736304"/>
               </a:tblGrid>
               <a:tr h="370840">
                 <a:tc>
@@ -625,37 +1656,9 @@
                     <a:bodyPr/>
                     <a:lstStyle/>
                     <a:p>
-                      <a:endParaRPr lang="fr-FR">
+                      <a:endParaRPr lang="fr-FR" dirty="0">
                         <a:solidFill>
-                          <a:srgbClr val="2D2D2D"/>
-                        </a:solidFill>
-                      </a:endParaRPr>
-                    </a:p>
-                  </a:txBody>
-                  <a:tcPr/>
-                </a:tc>
-                <a:tc>
-                  <a:txBody>
-                    <a:bodyPr/>
-                    <a:lstStyle/>
-                    <a:p>
-                      <a:endParaRPr lang="fr-FR">
-                        <a:solidFill>
-                          <a:srgbClr val="2D2D2D"/>
-                        </a:solidFill>
-                      </a:endParaRPr>
-                    </a:p>
-                  </a:txBody>
-                  <a:tcPr/>
-                </a:tc>
-                <a:tc>
-                  <a:txBody>
-                    <a:bodyPr/>
-                    <a:lstStyle/>
-                    <a:p>
-                      <a:endParaRPr lang="fr-FR">
-                        <a:solidFill>
-                          <a:srgbClr val="2D2D2D"/>
+                          <a:schemeClr val="tx1"/>
                         </a:solidFill>
                       </a:endParaRPr>
                     </a:p>
@@ -669,7 +1672,35 @@
                     <a:p>
                       <a:endParaRPr lang="fr-FR" dirty="0">
                         <a:solidFill>
-                          <a:srgbClr val="2D2D2D"/>
+                          <a:schemeClr val="tx1"/>
+                        </a:solidFill>
+                      </a:endParaRPr>
+                    </a:p>
+                  </a:txBody>
+                  <a:tcPr/>
+                </a:tc>
+                <a:tc>
+                  <a:txBody>
+                    <a:bodyPr/>
+                    <a:lstStyle/>
+                    <a:p>
+                      <a:endParaRPr lang="fr-FR" dirty="0">
+                        <a:solidFill>
+                          <a:schemeClr val="tx1"/>
+                        </a:solidFill>
+                      </a:endParaRPr>
+                    </a:p>
+                  </a:txBody>
+                  <a:tcPr/>
+                </a:tc>
+                <a:tc>
+                  <a:txBody>
+                    <a:bodyPr/>
+                    <a:lstStyle/>
+                    <a:p>
+                      <a:endParaRPr lang="fr-FR" dirty="0">
+                        <a:solidFill>
+                          <a:schemeClr val="tx1"/>
                         </a:solidFill>
                       </a:endParaRPr>
                     </a:p>
@@ -684,7 +1715,7 @@
     </p:spTree>
     <p:extLst>
       <p:ext uri="{BB962C8B-B14F-4D97-AF65-F5344CB8AC3E}">
-        <p14:creationId xmlns:p14="http://schemas.microsoft.com/office/powerpoint/2010/main" val="2794280648"/>
+        <p14:creationId xmlns:p14="http://schemas.microsoft.com/office/powerpoint/2010/main" val="3415997641"/>
       </p:ext>
     </p:extLst>
   </p:cSld>
@@ -702,8 +1733,8 @@
 </file>
 
 <file path=ppt/slideLayouts/slideLayout3.xml><?xml version="1.0" encoding="utf-8"?>
-<p:sldLayout xmlns:a="http://schemas.openxmlformats.org/drawingml/2006/main" xmlns:r="http://schemas.openxmlformats.org/officeDocument/2006/relationships" xmlns:p="http://schemas.openxmlformats.org/presentationml/2006/main" preserve="1" userDrawn="1">
-  <p:cSld name="Disposition personnalisée">
+<p:sldLayout xmlns:a="http://schemas.openxmlformats.org/drawingml/2006/main" xmlns:r="http://schemas.openxmlformats.org/officeDocument/2006/relationships" xmlns:p="http://schemas.openxmlformats.org/presentationml/2006/main" type="secHead" preserve="1">
+  <p:cSld name="Section slide layout">
     <p:spTree>
       <p:nvGrpSpPr>
         <p:cNvPr id="1" name=""/>
@@ -728,27 +1759,179 @@
             <p:ph type="title"/>
           </p:nvPr>
         </p:nvSpPr>
+        <p:spPr>
+          <a:xfrm>
+            <a:off x="722313" y="4406900"/>
+            <a:ext cx="7772400" cy="1362075"/>
+          </a:xfrm>
+        </p:spPr>
+        <p:txBody>
+          <a:bodyPr anchor="t"/>
+          <a:lstStyle>
+            <a:lvl1pPr algn="l">
+              <a:defRPr sz="4000" b="1" cap="all"/>
+            </a:lvl1pPr>
+          </a:lstStyle>
+          <a:p>
+            <a:r>
+              <a:rPr lang="fr-FR" smtClean="0"/>
+              <a:t>Modifiez le style du titre</a:t>
+            </a:r>
+            <a:endParaRPr lang="fr-FR"/>
+          </a:p>
+        </p:txBody>
+      </p:sp>
+      <p:sp>
+        <p:nvSpPr>
+          <p:cNvPr id="3" name="Espace réservé du texte 2"/>
+          <p:cNvSpPr>
+            <a:spLocks noGrp="1"/>
+          </p:cNvSpPr>
+          <p:nvPr>
+            <p:ph type="body" idx="1"/>
+          </p:nvPr>
+        </p:nvSpPr>
+        <p:spPr>
+          <a:xfrm>
+            <a:off x="722313" y="2906713"/>
+            <a:ext cx="7772400" cy="1500187"/>
+          </a:xfrm>
+        </p:spPr>
+        <p:txBody>
+          <a:bodyPr anchor="b"/>
+          <a:lstStyle>
+            <a:lvl1pPr marL="0" indent="0">
+              <a:buNone/>
+              <a:defRPr sz="2000">
+                <a:solidFill>
+                  <a:schemeClr val="tx1">
+                    <a:tint val="75000"/>
+                  </a:schemeClr>
+                </a:solidFill>
+              </a:defRPr>
+            </a:lvl1pPr>
+            <a:lvl2pPr marL="457200" indent="0">
+              <a:buNone/>
+              <a:defRPr sz="1800">
+                <a:solidFill>
+                  <a:schemeClr val="tx1">
+                    <a:tint val="75000"/>
+                  </a:schemeClr>
+                </a:solidFill>
+              </a:defRPr>
+            </a:lvl2pPr>
+            <a:lvl3pPr marL="914400" indent="0">
+              <a:buNone/>
+              <a:defRPr sz="1600">
+                <a:solidFill>
+                  <a:schemeClr val="tx1">
+                    <a:tint val="75000"/>
+                  </a:schemeClr>
+                </a:solidFill>
+              </a:defRPr>
+            </a:lvl3pPr>
+            <a:lvl4pPr marL="1371600" indent="0">
+              <a:buNone/>
+              <a:defRPr sz="1400">
+                <a:solidFill>
+                  <a:schemeClr val="tx1">
+                    <a:tint val="75000"/>
+                  </a:schemeClr>
+                </a:solidFill>
+              </a:defRPr>
+            </a:lvl4pPr>
+            <a:lvl5pPr marL="1828800" indent="0">
+              <a:buNone/>
+              <a:defRPr sz="1400">
+                <a:solidFill>
+                  <a:schemeClr val="tx1">
+                    <a:tint val="75000"/>
+                  </a:schemeClr>
+                </a:solidFill>
+              </a:defRPr>
+            </a:lvl5pPr>
+            <a:lvl6pPr marL="2286000" indent="0">
+              <a:buNone/>
+              <a:defRPr sz="1400">
+                <a:solidFill>
+                  <a:schemeClr val="tx1">
+                    <a:tint val="75000"/>
+                  </a:schemeClr>
+                </a:solidFill>
+              </a:defRPr>
+            </a:lvl6pPr>
+            <a:lvl7pPr marL="2743200" indent="0">
+              <a:buNone/>
+              <a:defRPr sz="1400">
+                <a:solidFill>
+                  <a:schemeClr val="tx1">
+                    <a:tint val="75000"/>
+                  </a:schemeClr>
+                </a:solidFill>
+              </a:defRPr>
+            </a:lvl7pPr>
+            <a:lvl8pPr marL="3200400" indent="0">
+              <a:buNone/>
+              <a:defRPr sz="1400">
+                <a:solidFill>
+                  <a:schemeClr val="tx1">
+                    <a:tint val="75000"/>
+                  </a:schemeClr>
+                </a:solidFill>
+              </a:defRPr>
+            </a:lvl8pPr>
+            <a:lvl9pPr marL="3657600" indent="0">
+              <a:buNone/>
+              <a:defRPr sz="1400">
+                <a:solidFill>
+                  <a:schemeClr val="tx1">
+                    <a:tint val="75000"/>
+                  </a:schemeClr>
+                </a:solidFill>
+              </a:defRPr>
+            </a:lvl9pPr>
+          </a:lstStyle>
+          <a:p>
+            <a:pPr lvl="0"/>
+            <a:r>
+              <a:rPr lang="fr-FR" smtClean="0"/>
+              <a:t>Modifiez les styles du texte du masque</a:t>
+            </a:r>
+          </a:p>
+        </p:txBody>
+      </p:sp>
+      <p:sp>
+        <p:nvSpPr>
+          <p:cNvPr id="4" name="Espace réservé de la date 3"/>
+          <p:cNvSpPr>
+            <a:spLocks noGrp="1"/>
+          </p:cNvSpPr>
+          <p:nvPr>
+            <p:ph type="dt" sz="half" idx="10"/>
+          </p:nvPr>
+        </p:nvSpPr>
         <p:spPr/>
         <p:txBody>
           <a:bodyPr/>
           <a:lstStyle/>
           <a:p>
-            <a:r>
-              <a:rPr lang="fr-FR" smtClean="0"/>
-              <a:t>Modifiez le style du titre</a:t>
-            </a:r>
-            <a:endParaRPr lang="fr-FR"/>
-          </a:p>
-        </p:txBody>
-      </p:sp>
-      <p:sp>
-        <p:nvSpPr>
-          <p:cNvPr id="3" name="Espace réservé de la date 2"/>
-          <p:cNvSpPr>
-            <a:spLocks noGrp="1"/>
-          </p:cNvSpPr>
-          <p:nvPr>
-            <p:ph type="dt" sz="half" idx="10"/>
+            <a:fld id="{4A29E8C7-C272-44A6-BA12-3FD591C0F95D}" type="datetimeFigureOut">
+              <a:rPr lang="fr-FR" smtClean="0"/>
+              <a:pPr/>
+              <a:t>07/07/2025</a:t>
+            </a:fld>
+            <a:endParaRPr lang="fr-FR" dirty="0"/>
+          </a:p>
+        </p:txBody>
+      </p:sp>
+      <p:sp>
+        <p:nvSpPr>
+          <p:cNvPr id="5" name="Espace réservé du pied de page 4"/>
+          <p:cNvSpPr>
+            <a:spLocks noGrp="1"/>
+          </p:cNvSpPr>
+          <p:nvPr>
+            <p:ph type="ftr" sz="quarter" idx="11"/>
           </p:nvPr>
         </p:nvSpPr>
         <p:spPr/>
@@ -756,9 +1939,29 @@
           <a:bodyPr/>
           <a:lstStyle/>
           <a:p>
-            <a:fld id="{9C62A8FC-B0A8-4E22-8F70-522498ABD20C}" type="datetimeFigureOut">
-              <a:rPr lang="fr-FR" smtClean="0"/>
-              <a:t>09/07/2025</a:t>
+            <a:endParaRPr lang="fr-FR" dirty="0"/>
+          </a:p>
+        </p:txBody>
+      </p:sp>
+      <p:sp>
+        <p:nvSpPr>
+          <p:cNvPr id="6" name="Espace réservé du numéro de diapositive 5"/>
+          <p:cNvSpPr>
+            <a:spLocks noGrp="1"/>
+          </p:cNvSpPr>
+          <p:nvPr>
+            <p:ph type="sldNum" sz="quarter" idx="12"/>
+          </p:nvPr>
+        </p:nvSpPr>
+        <p:spPr/>
+        <p:txBody>
+          <a:bodyPr/>
+          <a:lstStyle/>
+          <a:p>
+            <a:fld id="{1B3E0209-B3C1-4BB1-AE6C-37FA476D3CB0}" type="slidenum">
+              <a:rPr lang="fr-FR" smtClean="0"/>
+              <a:pPr/>
+              <a:t>‹N°›</a:t>
             </a:fld>
             <a:endParaRPr lang="fr-FR" dirty="0"/>
           </a:p>
@@ -767,7 +1970,1132 @@
     </p:spTree>
     <p:extLst>
       <p:ext uri="{BB962C8B-B14F-4D97-AF65-F5344CB8AC3E}">
-        <p14:creationId xmlns:p14="http://schemas.microsoft.com/office/powerpoint/2010/main" val="1993999824"/>
+        <p14:creationId xmlns:p14="http://schemas.microsoft.com/office/powerpoint/2010/main" val="3136551426"/>
+      </p:ext>
+    </p:extLst>
+  </p:cSld>
+  <p:clrMapOvr>
+    <a:masterClrMapping/>
+  </p:clrMapOvr>
+</p:sldLayout>
+</file>
+
+<file path=ppt/slideLayouts/slideLayout4.xml><?xml version="1.0" encoding="utf-8"?>
+<p:sldLayout xmlns:a="http://schemas.openxmlformats.org/drawingml/2006/main" xmlns:r="http://schemas.openxmlformats.org/officeDocument/2006/relationships" xmlns:p="http://schemas.openxmlformats.org/presentationml/2006/main" preserve="1" userDrawn="1">
+  <p:cSld name="Instructions Slide Layout">
+    <p:spTree>
+      <p:nvGrpSpPr>
+        <p:cNvPr id="1" name=""/>
+        <p:cNvGrpSpPr/>
+        <p:nvPr/>
+      </p:nvGrpSpPr>
+      <p:grpSpPr>
+        <a:xfrm>
+          <a:off x="0" y="0"/>
+          <a:ext cx="0" cy="0"/>
+          <a:chOff x="0" y="0"/>
+          <a:chExt cx="0" cy="0"/>
+        </a:xfrm>
+      </p:grpSpPr>
+      <p:sp>
+        <p:nvSpPr>
+          <p:cNvPr id="2" name="Titre 1"/>
+          <p:cNvSpPr>
+            <a:spLocks noGrp="1"/>
+          </p:cNvSpPr>
+          <p:nvPr>
+            <p:ph type="title"/>
+          </p:nvPr>
+        </p:nvSpPr>
+        <p:spPr/>
+        <p:txBody>
+          <a:bodyPr/>
+          <a:lstStyle/>
+          <a:p>
+            <a:r>
+              <a:rPr lang="fr-FR" dirty="0" smtClean="0"/>
+              <a:t>Modifiez le style du titre</a:t>
+            </a:r>
+            <a:endParaRPr lang="fr-FR" dirty="0"/>
+          </a:p>
+        </p:txBody>
+      </p:sp>
+      <p:sp>
+        <p:nvSpPr>
+          <p:cNvPr id="3" name="Espace réservé du contenu 2"/>
+          <p:cNvSpPr>
+            <a:spLocks noGrp="1"/>
+          </p:cNvSpPr>
+          <p:nvPr>
+            <p:ph sz="half" idx="1"/>
+          </p:nvPr>
+        </p:nvSpPr>
+        <p:spPr>
+          <a:xfrm>
+            <a:off x="395536" y="1600200"/>
+            <a:ext cx="8280920" cy="4525963"/>
+          </a:xfrm>
+        </p:spPr>
+        <p:txBody>
+          <a:bodyPr/>
+          <a:lstStyle>
+            <a:lvl1pPr>
+              <a:defRPr sz="2800"/>
+            </a:lvl1pPr>
+            <a:lvl2pPr>
+              <a:defRPr sz="2400"/>
+            </a:lvl2pPr>
+            <a:lvl3pPr>
+              <a:defRPr sz="2000"/>
+            </a:lvl3pPr>
+            <a:lvl4pPr>
+              <a:defRPr sz="1800"/>
+            </a:lvl4pPr>
+            <a:lvl5pPr>
+              <a:defRPr sz="1800"/>
+            </a:lvl5pPr>
+            <a:lvl6pPr>
+              <a:defRPr sz="1800"/>
+            </a:lvl6pPr>
+            <a:lvl7pPr>
+              <a:defRPr sz="1800"/>
+            </a:lvl7pPr>
+            <a:lvl8pPr>
+              <a:defRPr sz="1800"/>
+            </a:lvl8pPr>
+            <a:lvl9pPr>
+              <a:defRPr sz="1800"/>
+            </a:lvl9pPr>
+          </a:lstStyle>
+          <a:p>
+            <a:pPr lvl="0"/>
+            <a:r>
+              <a:rPr lang="fr-FR" dirty="0" smtClean="0"/>
+              <a:t>Modifiez les styles du texte du masque</a:t>
+            </a:r>
+          </a:p>
+          <a:p>
+            <a:pPr lvl="1"/>
+            <a:r>
+              <a:rPr lang="fr-FR" dirty="0" smtClean="0"/>
+              <a:t>Deuxième niveau</a:t>
+            </a:r>
+          </a:p>
+          <a:p>
+            <a:pPr lvl="2"/>
+            <a:r>
+              <a:rPr lang="fr-FR" dirty="0" smtClean="0"/>
+              <a:t>Troisième niveau</a:t>
+            </a:r>
+          </a:p>
+          <a:p>
+            <a:pPr lvl="3"/>
+            <a:r>
+              <a:rPr lang="fr-FR" dirty="0" smtClean="0"/>
+              <a:t>Quatrième niveau</a:t>
+            </a:r>
+          </a:p>
+          <a:p>
+            <a:pPr lvl="4"/>
+            <a:r>
+              <a:rPr lang="fr-FR" dirty="0" smtClean="0"/>
+              <a:t>Cinquième niveau</a:t>
+            </a:r>
+            <a:endParaRPr lang="fr-FR" dirty="0"/>
+          </a:p>
+        </p:txBody>
+      </p:sp>
+      <p:sp>
+        <p:nvSpPr>
+          <p:cNvPr id="5" name="Espace réservé de la date 4"/>
+          <p:cNvSpPr>
+            <a:spLocks noGrp="1"/>
+          </p:cNvSpPr>
+          <p:nvPr>
+            <p:ph type="dt" sz="half" idx="10"/>
+          </p:nvPr>
+        </p:nvSpPr>
+        <p:spPr/>
+        <p:txBody>
+          <a:bodyPr/>
+          <a:lstStyle/>
+          <a:p>
+            <a:fld id="{4A29E8C7-C272-44A6-BA12-3FD591C0F95D}" type="datetimeFigureOut">
+              <a:rPr lang="fr-FR" smtClean="0"/>
+              <a:pPr/>
+              <a:t>07/07/2025</a:t>
+            </a:fld>
+            <a:endParaRPr lang="fr-FR" dirty="0"/>
+          </a:p>
+        </p:txBody>
+      </p:sp>
+      <p:sp>
+        <p:nvSpPr>
+          <p:cNvPr id="6" name="Espace réservé du pied de page 5"/>
+          <p:cNvSpPr>
+            <a:spLocks noGrp="1"/>
+          </p:cNvSpPr>
+          <p:nvPr>
+            <p:ph type="ftr" sz="quarter" idx="11"/>
+          </p:nvPr>
+        </p:nvSpPr>
+        <p:spPr/>
+        <p:txBody>
+          <a:bodyPr/>
+          <a:lstStyle/>
+          <a:p>
+            <a:endParaRPr lang="fr-FR" dirty="0"/>
+          </a:p>
+        </p:txBody>
+      </p:sp>
+      <p:sp>
+        <p:nvSpPr>
+          <p:cNvPr id="7" name="Espace réservé du numéro de diapositive 6"/>
+          <p:cNvSpPr>
+            <a:spLocks noGrp="1"/>
+          </p:cNvSpPr>
+          <p:nvPr>
+            <p:ph type="sldNum" sz="quarter" idx="12"/>
+          </p:nvPr>
+        </p:nvSpPr>
+        <p:spPr/>
+        <p:txBody>
+          <a:bodyPr/>
+          <a:lstStyle/>
+          <a:p>
+            <a:fld id="{1B3E0209-B3C1-4BB1-AE6C-37FA476D3CB0}" type="slidenum">
+              <a:rPr lang="fr-FR" smtClean="0"/>
+              <a:pPr/>
+              <a:t>‹N°›</a:t>
+            </a:fld>
+            <a:endParaRPr lang="fr-FR" dirty="0"/>
+          </a:p>
+        </p:txBody>
+      </p:sp>
+    </p:spTree>
+    <p:extLst>
+      <p:ext uri="{BB962C8B-B14F-4D97-AF65-F5344CB8AC3E}">
+        <p14:creationId xmlns:p14="http://schemas.microsoft.com/office/powerpoint/2010/main" val="956792091"/>
+      </p:ext>
+    </p:extLst>
+  </p:cSld>
+  <p:clrMapOvr>
+    <a:masterClrMapping/>
+  </p:clrMapOvr>
+</p:sldLayout>
+</file>
+
+<file path=ppt/slideLayouts/slideLayout5.xml><?xml version="1.0" encoding="utf-8"?>
+<p:sldLayout xmlns:a="http://schemas.openxmlformats.org/drawingml/2006/main" xmlns:r="http://schemas.openxmlformats.org/officeDocument/2006/relationships" xmlns:p="http://schemas.openxmlformats.org/presentationml/2006/main" type="twoTxTwoObj" preserve="1">
+  <p:cSld name="Comparaison">
+    <p:spTree>
+      <p:nvGrpSpPr>
+        <p:cNvPr id="1" name=""/>
+        <p:cNvGrpSpPr/>
+        <p:nvPr/>
+      </p:nvGrpSpPr>
+      <p:grpSpPr>
+        <a:xfrm>
+          <a:off x="0" y="0"/>
+          <a:ext cx="0" cy="0"/>
+          <a:chOff x="0" y="0"/>
+          <a:chExt cx="0" cy="0"/>
+        </a:xfrm>
+      </p:grpSpPr>
+      <p:sp>
+        <p:nvSpPr>
+          <p:cNvPr id="2" name="Titre 1"/>
+          <p:cNvSpPr>
+            <a:spLocks noGrp="1"/>
+          </p:cNvSpPr>
+          <p:nvPr>
+            <p:ph type="title"/>
+          </p:nvPr>
+        </p:nvSpPr>
+        <p:spPr/>
+        <p:txBody>
+          <a:bodyPr/>
+          <a:lstStyle>
+            <a:lvl1pPr>
+              <a:defRPr/>
+            </a:lvl1pPr>
+          </a:lstStyle>
+          <a:p>
+            <a:r>
+              <a:rPr lang="fr-FR" smtClean="0"/>
+              <a:t>Modifiez le style du titre</a:t>
+            </a:r>
+            <a:endParaRPr lang="fr-FR"/>
+          </a:p>
+        </p:txBody>
+      </p:sp>
+      <p:sp>
+        <p:nvSpPr>
+          <p:cNvPr id="3" name="Espace réservé du texte 2"/>
+          <p:cNvSpPr>
+            <a:spLocks noGrp="1"/>
+          </p:cNvSpPr>
+          <p:nvPr>
+            <p:ph type="body" idx="1"/>
+          </p:nvPr>
+        </p:nvSpPr>
+        <p:spPr>
+          <a:xfrm>
+            <a:off x="457200" y="1535113"/>
+            <a:ext cx="4040188" cy="639762"/>
+          </a:xfrm>
+        </p:spPr>
+        <p:txBody>
+          <a:bodyPr anchor="b"/>
+          <a:lstStyle>
+            <a:lvl1pPr marL="0" indent="0">
+              <a:buNone/>
+              <a:defRPr sz="2400" b="1"/>
+            </a:lvl1pPr>
+            <a:lvl2pPr marL="457200" indent="0">
+              <a:buNone/>
+              <a:defRPr sz="2000" b="1"/>
+            </a:lvl2pPr>
+            <a:lvl3pPr marL="914400" indent="0">
+              <a:buNone/>
+              <a:defRPr sz="1800" b="1"/>
+            </a:lvl3pPr>
+            <a:lvl4pPr marL="1371600" indent="0">
+              <a:buNone/>
+              <a:defRPr sz="1600" b="1"/>
+            </a:lvl4pPr>
+            <a:lvl5pPr marL="1828800" indent="0">
+              <a:buNone/>
+              <a:defRPr sz="1600" b="1"/>
+            </a:lvl5pPr>
+            <a:lvl6pPr marL="2286000" indent="0">
+              <a:buNone/>
+              <a:defRPr sz="1600" b="1"/>
+            </a:lvl6pPr>
+            <a:lvl7pPr marL="2743200" indent="0">
+              <a:buNone/>
+              <a:defRPr sz="1600" b="1"/>
+            </a:lvl7pPr>
+            <a:lvl8pPr marL="3200400" indent="0">
+              <a:buNone/>
+              <a:defRPr sz="1600" b="1"/>
+            </a:lvl8pPr>
+            <a:lvl9pPr marL="3657600" indent="0">
+              <a:buNone/>
+              <a:defRPr sz="1600" b="1"/>
+            </a:lvl9pPr>
+          </a:lstStyle>
+          <a:p>
+            <a:pPr lvl="0"/>
+            <a:r>
+              <a:rPr lang="fr-FR" smtClean="0"/>
+              <a:t>Modifiez les styles du texte du masque</a:t>
+            </a:r>
+          </a:p>
+        </p:txBody>
+      </p:sp>
+      <p:sp>
+        <p:nvSpPr>
+          <p:cNvPr id="4" name="Espace réservé du contenu 3"/>
+          <p:cNvSpPr>
+            <a:spLocks noGrp="1"/>
+          </p:cNvSpPr>
+          <p:nvPr>
+            <p:ph sz="half" idx="2"/>
+          </p:nvPr>
+        </p:nvSpPr>
+        <p:spPr>
+          <a:xfrm>
+            <a:off x="457200" y="2174875"/>
+            <a:ext cx="4040188" cy="3951288"/>
+          </a:xfrm>
+        </p:spPr>
+        <p:txBody>
+          <a:bodyPr/>
+          <a:lstStyle>
+            <a:lvl1pPr>
+              <a:defRPr sz="2400"/>
+            </a:lvl1pPr>
+            <a:lvl2pPr>
+              <a:defRPr sz="2000"/>
+            </a:lvl2pPr>
+            <a:lvl3pPr>
+              <a:defRPr sz="1800"/>
+            </a:lvl3pPr>
+            <a:lvl4pPr>
+              <a:defRPr sz="1600"/>
+            </a:lvl4pPr>
+            <a:lvl5pPr>
+              <a:defRPr sz="1600"/>
+            </a:lvl5pPr>
+            <a:lvl6pPr>
+              <a:defRPr sz="1600"/>
+            </a:lvl6pPr>
+            <a:lvl7pPr>
+              <a:defRPr sz="1600"/>
+            </a:lvl7pPr>
+            <a:lvl8pPr>
+              <a:defRPr sz="1600"/>
+            </a:lvl8pPr>
+            <a:lvl9pPr>
+              <a:defRPr sz="1600"/>
+            </a:lvl9pPr>
+          </a:lstStyle>
+          <a:p>
+            <a:pPr lvl="0"/>
+            <a:r>
+              <a:rPr lang="fr-FR" smtClean="0"/>
+              <a:t>Modifiez les styles du texte du masque</a:t>
+            </a:r>
+          </a:p>
+          <a:p>
+            <a:pPr lvl="1"/>
+            <a:r>
+              <a:rPr lang="fr-FR" smtClean="0"/>
+              <a:t>Deuxième niveau</a:t>
+            </a:r>
+          </a:p>
+          <a:p>
+            <a:pPr lvl="2"/>
+            <a:r>
+              <a:rPr lang="fr-FR" smtClean="0"/>
+              <a:t>Troisième niveau</a:t>
+            </a:r>
+          </a:p>
+          <a:p>
+            <a:pPr lvl="3"/>
+            <a:r>
+              <a:rPr lang="fr-FR" smtClean="0"/>
+              <a:t>Quatrième niveau</a:t>
+            </a:r>
+          </a:p>
+          <a:p>
+            <a:pPr lvl="4"/>
+            <a:r>
+              <a:rPr lang="fr-FR" smtClean="0"/>
+              <a:t>Cinquième niveau</a:t>
+            </a:r>
+            <a:endParaRPr lang="fr-FR"/>
+          </a:p>
+        </p:txBody>
+      </p:sp>
+      <p:sp>
+        <p:nvSpPr>
+          <p:cNvPr id="5" name="Espace réservé du texte 4"/>
+          <p:cNvSpPr>
+            <a:spLocks noGrp="1"/>
+          </p:cNvSpPr>
+          <p:nvPr>
+            <p:ph type="body" sz="quarter" idx="3"/>
+          </p:nvPr>
+        </p:nvSpPr>
+        <p:spPr>
+          <a:xfrm>
+            <a:off x="4645025" y="1535113"/>
+            <a:ext cx="4041775" cy="639762"/>
+          </a:xfrm>
+        </p:spPr>
+        <p:txBody>
+          <a:bodyPr anchor="b"/>
+          <a:lstStyle>
+            <a:lvl1pPr marL="0" indent="0">
+              <a:buNone/>
+              <a:defRPr sz="2400" b="1"/>
+            </a:lvl1pPr>
+            <a:lvl2pPr marL="457200" indent="0">
+              <a:buNone/>
+              <a:defRPr sz="2000" b="1"/>
+            </a:lvl2pPr>
+            <a:lvl3pPr marL="914400" indent="0">
+              <a:buNone/>
+              <a:defRPr sz="1800" b="1"/>
+            </a:lvl3pPr>
+            <a:lvl4pPr marL="1371600" indent="0">
+              <a:buNone/>
+              <a:defRPr sz="1600" b="1"/>
+            </a:lvl4pPr>
+            <a:lvl5pPr marL="1828800" indent="0">
+              <a:buNone/>
+              <a:defRPr sz="1600" b="1"/>
+            </a:lvl5pPr>
+            <a:lvl6pPr marL="2286000" indent="0">
+              <a:buNone/>
+              <a:defRPr sz="1600" b="1"/>
+            </a:lvl6pPr>
+            <a:lvl7pPr marL="2743200" indent="0">
+              <a:buNone/>
+              <a:defRPr sz="1600" b="1"/>
+            </a:lvl7pPr>
+            <a:lvl8pPr marL="3200400" indent="0">
+              <a:buNone/>
+              <a:defRPr sz="1600" b="1"/>
+            </a:lvl8pPr>
+            <a:lvl9pPr marL="3657600" indent="0">
+              <a:buNone/>
+              <a:defRPr sz="1600" b="1"/>
+            </a:lvl9pPr>
+          </a:lstStyle>
+          <a:p>
+            <a:pPr lvl="0"/>
+            <a:r>
+              <a:rPr lang="fr-FR" smtClean="0"/>
+              <a:t>Modifiez les styles du texte du masque</a:t>
+            </a:r>
+          </a:p>
+        </p:txBody>
+      </p:sp>
+      <p:sp>
+        <p:nvSpPr>
+          <p:cNvPr id="6" name="Espace réservé du contenu 5"/>
+          <p:cNvSpPr>
+            <a:spLocks noGrp="1"/>
+          </p:cNvSpPr>
+          <p:nvPr>
+            <p:ph sz="quarter" idx="4"/>
+          </p:nvPr>
+        </p:nvSpPr>
+        <p:spPr>
+          <a:xfrm>
+            <a:off x="4645025" y="2174875"/>
+            <a:ext cx="4041775" cy="3951288"/>
+          </a:xfrm>
+        </p:spPr>
+        <p:txBody>
+          <a:bodyPr/>
+          <a:lstStyle>
+            <a:lvl1pPr>
+              <a:defRPr sz="2400"/>
+            </a:lvl1pPr>
+            <a:lvl2pPr>
+              <a:defRPr sz="2000"/>
+            </a:lvl2pPr>
+            <a:lvl3pPr>
+              <a:defRPr sz="1800"/>
+            </a:lvl3pPr>
+            <a:lvl4pPr>
+              <a:defRPr sz="1600"/>
+            </a:lvl4pPr>
+            <a:lvl5pPr>
+              <a:defRPr sz="1600"/>
+            </a:lvl5pPr>
+            <a:lvl6pPr>
+              <a:defRPr sz="1600"/>
+            </a:lvl6pPr>
+            <a:lvl7pPr>
+              <a:defRPr sz="1600"/>
+            </a:lvl7pPr>
+            <a:lvl8pPr>
+              <a:defRPr sz="1600"/>
+            </a:lvl8pPr>
+            <a:lvl9pPr>
+              <a:defRPr sz="1600"/>
+            </a:lvl9pPr>
+          </a:lstStyle>
+          <a:p>
+            <a:pPr lvl="0"/>
+            <a:r>
+              <a:rPr lang="fr-FR" smtClean="0"/>
+              <a:t>Modifiez les styles du texte du masque</a:t>
+            </a:r>
+          </a:p>
+          <a:p>
+            <a:pPr lvl="1"/>
+            <a:r>
+              <a:rPr lang="fr-FR" smtClean="0"/>
+              <a:t>Deuxième niveau</a:t>
+            </a:r>
+          </a:p>
+          <a:p>
+            <a:pPr lvl="2"/>
+            <a:r>
+              <a:rPr lang="fr-FR" smtClean="0"/>
+              <a:t>Troisième niveau</a:t>
+            </a:r>
+          </a:p>
+          <a:p>
+            <a:pPr lvl="3"/>
+            <a:r>
+              <a:rPr lang="fr-FR" smtClean="0"/>
+              <a:t>Quatrième niveau</a:t>
+            </a:r>
+          </a:p>
+          <a:p>
+            <a:pPr lvl="4"/>
+            <a:r>
+              <a:rPr lang="fr-FR" smtClean="0"/>
+              <a:t>Cinquième niveau</a:t>
+            </a:r>
+            <a:endParaRPr lang="fr-FR"/>
+          </a:p>
+        </p:txBody>
+      </p:sp>
+      <p:sp>
+        <p:nvSpPr>
+          <p:cNvPr id="7" name="Espace réservé de la date 6"/>
+          <p:cNvSpPr>
+            <a:spLocks noGrp="1"/>
+          </p:cNvSpPr>
+          <p:nvPr>
+            <p:ph type="dt" sz="half" idx="10"/>
+          </p:nvPr>
+        </p:nvSpPr>
+        <p:spPr/>
+        <p:txBody>
+          <a:bodyPr/>
+          <a:lstStyle/>
+          <a:p>
+            <a:fld id="{4A29E8C7-C272-44A6-BA12-3FD591C0F95D}" type="datetimeFigureOut">
+              <a:rPr lang="fr-FR" smtClean="0"/>
+              <a:pPr/>
+              <a:t>07/07/2025</a:t>
+            </a:fld>
+            <a:endParaRPr lang="fr-FR" dirty="0"/>
+          </a:p>
+        </p:txBody>
+      </p:sp>
+      <p:sp>
+        <p:nvSpPr>
+          <p:cNvPr id="8" name="Espace réservé du pied de page 7"/>
+          <p:cNvSpPr>
+            <a:spLocks noGrp="1"/>
+          </p:cNvSpPr>
+          <p:nvPr>
+            <p:ph type="ftr" sz="quarter" idx="11"/>
+          </p:nvPr>
+        </p:nvSpPr>
+        <p:spPr/>
+        <p:txBody>
+          <a:bodyPr/>
+          <a:lstStyle/>
+          <a:p>
+            <a:endParaRPr lang="fr-FR" dirty="0"/>
+          </a:p>
+        </p:txBody>
+      </p:sp>
+      <p:sp>
+        <p:nvSpPr>
+          <p:cNvPr id="9" name="Espace réservé du numéro de diapositive 8"/>
+          <p:cNvSpPr>
+            <a:spLocks noGrp="1"/>
+          </p:cNvSpPr>
+          <p:nvPr>
+            <p:ph type="sldNum" sz="quarter" idx="12"/>
+          </p:nvPr>
+        </p:nvSpPr>
+        <p:spPr/>
+        <p:txBody>
+          <a:bodyPr/>
+          <a:lstStyle/>
+          <a:p>
+            <a:fld id="{1B3E0209-B3C1-4BB1-AE6C-37FA476D3CB0}" type="slidenum">
+              <a:rPr lang="fr-FR" smtClean="0"/>
+              <a:pPr/>
+              <a:t>‹N°›</a:t>
+            </a:fld>
+            <a:endParaRPr lang="fr-FR" dirty="0"/>
+          </a:p>
+        </p:txBody>
+      </p:sp>
+    </p:spTree>
+    <p:extLst>
+      <p:ext uri="{BB962C8B-B14F-4D97-AF65-F5344CB8AC3E}">
+        <p14:creationId xmlns:p14="http://schemas.microsoft.com/office/powerpoint/2010/main" val="1619802435"/>
+      </p:ext>
+    </p:extLst>
+  </p:cSld>
+  <p:clrMapOvr>
+    <a:masterClrMapping/>
+  </p:clrMapOvr>
+</p:sldLayout>
+</file>
+
+<file path=ppt/slideLayouts/slideLayout6.xml><?xml version="1.0" encoding="utf-8"?>
+<p:sldLayout xmlns:a="http://schemas.openxmlformats.org/drawingml/2006/main" xmlns:r="http://schemas.openxmlformats.org/officeDocument/2006/relationships" xmlns:p="http://schemas.openxmlformats.org/presentationml/2006/main" type="titleOnly" preserve="1">
+  <p:cSld name="No body placeholder">
+    <p:spTree>
+      <p:nvGrpSpPr>
+        <p:cNvPr id="1" name=""/>
+        <p:cNvGrpSpPr/>
+        <p:nvPr/>
+      </p:nvGrpSpPr>
+      <p:grpSpPr>
+        <a:xfrm>
+          <a:off x="0" y="0"/>
+          <a:ext cx="0" cy="0"/>
+          <a:chOff x="0" y="0"/>
+          <a:chExt cx="0" cy="0"/>
+        </a:xfrm>
+      </p:grpSpPr>
+      <p:sp>
+        <p:nvSpPr>
+          <p:cNvPr id="2" name="Titre 1"/>
+          <p:cNvSpPr>
+            <a:spLocks noGrp="1"/>
+          </p:cNvSpPr>
+          <p:nvPr>
+            <p:ph type="title"/>
+          </p:nvPr>
+        </p:nvSpPr>
+        <p:spPr/>
+        <p:txBody>
+          <a:bodyPr/>
+          <a:lstStyle/>
+          <a:p>
+            <a:r>
+              <a:rPr lang="fr-FR" smtClean="0"/>
+              <a:t>Modifiez le style du titre</a:t>
+            </a:r>
+            <a:endParaRPr lang="fr-FR"/>
+          </a:p>
+        </p:txBody>
+      </p:sp>
+      <p:sp>
+        <p:nvSpPr>
+          <p:cNvPr id="3" name="Espace réservé de la date 2"/>
+          <p:cNvSpPr>
+            <a:spLocks noGrp="1"/>
+          </p:cNvSpPr>
+          <p:nvPr>
+            <p:ph type="dt" sz="half" idx="10"/>
+          </p:nvPr>
+        </p:nvSpPr>
+        <p:spPr/>
+        <p:txBody>
+          <a:bodyPr/>
+          <a:lstStyle/>
+          <a:p>
+            <a:fld id="{4A29E8C7-C272-44A6-BA12-3FD591C0F95D}" type="datetimeFigureOut">
+              <a:rPr lang="fr-FR" smtClean="0"/>
+              <a:pPr/>
+              <a:t>07/07/2025</a:t>
+            </a:fld>
+            <a:endParaRPr lang="fr-FR" dirty="0"/>
+          </a:p>
+        </p:txBody>
+      </p:sp>
+      <p:sp>
+        <p:nvSpPr>
+          <p:cNvPr id="4" name="Espace réservé du pied de page 3"/>
+          <p:cNvSpPr>
+            <a:spLocks noGrp="1"/>
+          </p:cNvSpPr>
+          <p:nvPr>
+            <p:ph type="ftr" sz="quarter" idx="11"/>
+          </p:nvPr>
+        </p:nvSpPr>
+        <p:spPr/>
+        <p:txBody>
+          <a:bodyPr/>
+          <a:lstStyle/>
+          <a:p>
+            <a:endParaRPr lang="fr-FR" dirty="0"/>
+          </a:p>
+        </p:txBody>
+      </p:sp>
+      <p:sp>
+        <p:nvSpPr>
+          <p:cNvPr id="5" name="Espace réservé du numéro de diapositive 4"/>
+          <p:cNvSpPr>
+            <a:spLocks noGrp="1"/>
+          </p:cNvSpPr>
+          <p:nvPr>
+            <p:ph type="sldNum" sz="quarter" idx="12"/>
+          </p:nvPr>
+        </p:nvSpPr>
+        <p:spPr/>
+        <p:txBody>
+          <a:bodyPr/>
+          <a:lstStyle/>
+          <a:p>
+            <a:fld id="{1B3E0209-B3C1-4BB1-AE6C-37FA476D3CB0}" type="slidenum">
+              <a:rPr lang="fr-FR" smtClean="0"/>
+              <a:pPr/>
+              <a:t>‹N°›</a:t>
+            </a:fld>
+            <a:endParaRPr lang="fr-FR" dirty="0"/>
+          </a:p>
+        </p:txBody>
+      </p:sp>
+    </p:spTree>
+    <p:extLst>
+      <p:ext uri="{BB962C8B-B14F-4D97-AF65-F5344CB8AC3E}">
+        <p14:creationId xmlns:p14="http://schemas.microsoft.com/office/powerpoint/2010/main" val="2710118326"/>
+      </p:ext>
+    </p:extLst>
+  </p:cSld>
+  <p:clrMapOvr>
+    <a:masterClrMapping/>
+  </p:clrMapOvr>
+</p:sldLayout>
+</file>
+
+<file path=ppt/slideLayouts/slideLayout7.xml><?xml version="1.0" encoding="utf-8"?>
+<p:sldLayout xmlns:a="http://schemas.openxmlformats.org/drawingml/2006/main" xmlns:r="http://schemas.openxmlformats.org/officeDocument/2006/relationships" xmlns:p="http://schemas.openxmlformats.org/presentationml/2006/main" type="blank" preserve="1">
+  <p:cSld name="Empty">
+    <p:spTree>
+      <p:nvGrpSpPr>
+        <p:cNvPr id="1" name=""/>
+        <p:cNvGrpSpPr/>
+        <p:nvPr/>
+      </p:nvGrpSpPr>
+      <p:grpSpPr>
+        <a:xfrm>
+          <a:off x="0" y="0"/>
+          <a:ext cx="0" cy="0"/>
+          <a:chOff x="0" y="0"/>
+          <a:chExt cx="0" cy="0"/>
+        </a:xfrm>
+      </p:grpSpPr>
+      <p:sp>
+        <p:nvSpPr>
+          <p:cNvPr id="2" name="Espace réservé de la date 1"/>
+          <p:cNvSpPr>
+            <a:spLocks noGrp="1"/>
+          </p:cNvSpPr>
+          <p:nvPr>
+            <p:ph type="dt" sz="half" idx="10"/>
+          </p:nvPr>
+        </p:nvSpPr>
+        <p:spPr/>
+        <p:txBody>
+          <a:bodyPr/>
+          <a:lstStyle/>
+          <a:p>
+            <a:fld id="{4A29E8C7-C272-44A6-BA12-3FD591C0F95D}" type="datetimeFigureOut">
+              <a:rPr lang="fr-FR" smtClean="0"/>
+              <a:pPr/>
+              <a:t>07/07/2025</a:t>
+            </a:fld>
+            <a:endParaRPr lang="fr-FR" dirty="0"/>
+          </a:p>
+        </p:txBody>
+      </p:sp>
+      <p:sp>
+        <p:nvSpPr>
+          <p:cNvPr id="3" name="Espace réservé du pied de page 2"/>
+          <p:cNvSpPr>
+            <a:spLocks noGrp="1"/>
+          </p:cNvSpPr>
+          <p:nvPr>
+            <p:ph type="ftr" sz="quarter" idx="11"/>
+          </p:nvPr>
+        </p:nvSpPr>
+        <p:spPr/>
+        <p:txBody>
+          <a:bodyPr/>
+          <a:lstStyle/>
+          <a:p>
+            <a:endParaRPr lang="fr-FR" dirty="0"/>
+          </a:p>
+        </p:txBody>
+      </p:sp>
+      <p:sp>
+        <p:nvSpPr>
+          <p:cNvPr id="4" name="Espace réservé du numéro de diapositive 3"/>
+          <p:cNvSpPr>
+            <a:spLocks noGrp="1"/>
+          </p:cNvSpPr>
+          <p:nvPr>
+            <p:ph type="sldNum" sz="quarter" idx="12"/>
+          </p:nvPr>
+        </p:nvSpPr>
+        <p:spPr/>
+        <p:txBody>
+          <a:bodyPr/>
+          <a:lstStyle/>
+          <a:p>
+            <a:fld id="{1B3E0209-B3C1-4BB1-AE6C-37FA476D3CB0}" type="slidenum">
+              <a:rPr lang="fr-FR" smtClean="0"/>
+              <a:pPr/>
+              <a:t>‹N°›</a:t>
+            </a:fld>
+            <a:endParaRPr lang="fr-FR" dirty="0"/>
+          </a:p>
+        </p:txBody>
+      </p:sp>
+    </p:spTree>
+    <p:extLst>
+      <p:ext uri="{BB962C8B-B14F-4D97-AF65-F5344CB8AC3E}">
+        <p14:creationId xmlns:p14="http://schemas.microsoft.com/office/powerpoint/2010/main" val="1645386769"/>
+      </p:ext>
+    </p:extLst>
+  </p:cSld>
+  <p:clrMapOvr>
+    <a:masterClrMapping/>
+  </p:clrMapOvr>
+</p:sldLayout>
+</file>
+
+<file path=ppt/slideLayouts/slideLayout8.xml><?xml version="1.0" encoding="utf-8"?>
+<p:sldLayout xmlns:a="http://schemas.openxmlformats.org/drawingml/2006/main" xmlns:r="http://schemas.openxmlformats.org/officeDocument/2006/relationships" xmlns:p="http://schemas.openxmlformats.org/presentationml/2006/main" type="objTx" preserve="1">
+  <p:cSld name="Contenu avec légende">
+    <p:spTree>
+      <p:nvGrpSpPr>
+        <p:cNvPr id="1" name=""/>
+        <p:cNvGrpSpPr/>
+        <p:nvPr/>
+      </p:nvGrpSpPr>
+      <p:grpSpPr>
+        <a:xfrm>
+          <a:off x="0" y="0"/>
+          <a:ext cx="0" cy="0"/>
+          <a:chOff x="0" y="0"/>
+          <a:chExt cx="0" cy="0"/>
+        </a:xfrm>
+      </p:grpSpPr>
+      <p:sp>
+        <p:nvSpPr>
+          <p:cNvPr id="2" name="Titre 1"/>
+          <p:cNvSpPr>
+            <a:spLocks noGrp="1"/>
+          </p:cNvSpPr>
+          <p:nvPr>
+            <p:ph type="title"/>
+          </p:nvPr>
+        </p:nvSpPr>
+        <p:spPr>
+          <a:xfrm>
+            <a:off x="457200" y="273050"/>
+            <a:ext cx="3008313" cy="1162050"/>
+          </a:xfrm>
+        </p:spPr>
+        <p:txBody>
+          <a:bodyPr anchor="b"/>
+          <a:lstStyle>
+            <a:lvl1pPr algn="l">
+              <a:defRPr sz="2000" b="1"/>
+            </a:lvl1pPr>
+          </a:lstStyle>
+          <a:p>
+            <a:r>
+              <a:rPr lang="fr-FR" dirty="0" smtClean="0"/>
+              <a:t>Modifiez le style du titre</a:t>
+            </a:r>
+            <a:endParaRPr lang="fr-FR" dirty="0"/>
+          </a:p>
+        </p:txBody>
+      </p:sp>
+      <p:sp>
+        <p:nvSpPr>
+          <p:cNvPr id="3" name="Espace réservé du contenu 2"/>
+          <p:cNvSpPr>
+            <a:spLocks noGrp="1"/>
+          </p:cNvSpPr>
+          <p:nvPr>
+            <p:ph idx="1"/>
+          </p:nvPr>
+        </p:nvSpPr>
+        <p:spPr>
+          <a:xfrm>
+            <a:off x="3575050" y="273050"/>
+            <a:ext cx="5111750" cy="5853113"/>
+          </a:xfrm>
+        </p:spPr>
+        <p:txBody>
+          <a:bodyPr/>
+          <a:lstStyle>
+            <a:lvl1pPr>
+              <a:defRPr sz="3200"/>
+            </a:lvl1pPr>
+            <a:lvl2pPr>
+              <a:defRPr sz="2800"/>
+            </a:lvl2pPr>
+            <a:lvl3pPr>
+              <a:defRPr sz="2400"/>
+            </a:lvl3pPr>
+            <a:lvl4pPr>
+              <a:defRPr sz="2000"/>
+            </a:lvl4pPr>
+            <a:lvl5pPr>
+              <a:defRPr sz="2000"/>
+            </a:lvl5pPr>
+            <a:lvl6pPr>
+              <a:defRPr sz="2000"/>
+            </a:lvl6pPr>
+            <a:lvl7pPr>
+              <a:defRPr sz="2000"/>
+            </a:lvl7pPr>
+            <a:lvl8pPr>
+              <a:defRPr sz="2000"/>
+            </a:lvl8pPr>
+            <a:lvl9pPr>
+              <a:defRPr sz="2000"/>
+            </a:lvl9pPr>
+          </a:lstStyle>
+          <a:p>
+            <a:pPr lvl="0"/>
+            <a:r>
+              <a:rPr lang="fr-FR" smtClean="0"/>
+              <a:t>Modifiez les styles du texte du masque</a:t>
+            </a:r>
+          </a:p>
+          <a:p>
+            <a:pPr lvl="1"/>
+            <a:r>
+              <a:rPr lang="fr-FR" smtClean="0"/>
+              <a:t>Deuxième niveau</a:t>
+            </a:r>
+          </a:p>
+          <a:p>
+            <a:pPr lvl="2"/>
+            <a:r>
+              <a:rPr lang="fr-FR" smtClean="0"/>
+              <a:t>Troisième niveau</a:t>
+            </a:r>
+          </a:p>
+          <a:p>
+            <a:pPr lvl="3"/>
+            <a:r>
+              <a:rPr lang="fr-FR" smtClean="0"/>
+              <a:t>Quatrième niveau</a:t>
+            </a:r>
+          </a:p>
+          <a:p>
+            <a:pPr lvl="4"/>
+            <a:r>
+              <a:rPr lang="fr-FR" smtClean="0"/>
+              <a:t>Cinquième niveau</a:t>
+            </a:r>
+            <a:endParaRPr lang="fr-FR"/>
+          </a:p>
+        </p:txBody>
+      </p:sp>
+      <p:sp>
+        <p:nvSpPr>
+          <p:cNvPr id="4" name="Espace réservé du texte 3"/>
+          <p:cNvSpPr>
+            <a:spLocks noGrp="1"/>
+          </p:cNvSpPr>
+          <p:nvPr>
+            <p:ph type="body" sz="half" idx="2"/>
+          </p:nvPr>
+        </p:nvSpPr>
+        <p:spPr>
+          <a:xfrm>
+            <a:off x="457200" y="1435100"/>
+            <a:ext cx="3008313" cy="4691063"/>
+          </a:xfrm>
+        </p:spPr>
+        <p:txBody>
+          <a:bodyPr/>
+          <a:lstStyle>
+            <a:lvl1pPr marL="0" indent="0">
+              <a:buNone/>
+              <a:defRPr sz="1400"/>
+            </a:lvl1pPr>
+            <a:lvl2pPr marL="457200" indent="0">
+              <a:buNone/>
+              <a:defRPr sz="1200"/>
+            </a:lvl2pPr>
+            <a:lvl3pPr marL="914400" indent="0">
+              <a:buNone/>
+              <a:defRPr sz="1000"/>
+            </a:lvl3pPr>
+            <a:lvl4pPr marL="1371600" indent="0">
+              <a:buNone/>
+              <a:defRPr sz="900"/>
+            </a:lvl4pPr>
+            <a:lvl5pPr marL="1828800" indent="0">
+              <a:buNone/>
+              <a:defRPr sz="900"/>
+            </a:lvl5pPr>
+            <a:lvl6pPr marL="2286000" indent="0">
+              <a:buNone/>
+              <a:defRPr sz="900"/>
+            </a:lvl6pPr>
+            <a:lvl7pPr marL="2743200" indent="0">
+              <a:buNone/>
+              <a:defRPr sz="900"/>
+            </a:lvl7pPr>
+            <a:lvl8pPr marL="3200400" indent="0">
+              <a:buNone/>
+              <a:defRPr sz="900"/>
+            </a:lvl8pPr>
+            <a:lvl9pPr marL="3657600" indent="0">
+              <a:buNone/>
+              <a:defRPr sz="900"/>
+            </a:lvl9pPr>
+          </a:lstStyle>
+          <a:p>
+            <a:pPr lvl="0"/>
+            <a:r>
+              <a:rPr lang="fr-FR" smtClean="0"/>
+              <a:t>Modifiez les styles du texte du masque</a:t>
+            </a:r>
+          </a:p>
+        </p:txBody>
+      </p:sp>
+      <p:sp>
+        <p:nvSpPr>
+          <p:cNvPr id="5" name="Espace réservé de la date 4"/>
+          <p:cNvSpPr>
+            <a:spLocks noGrp="1"/>
+          </p:cNvSpPr>
+          <p:nvPr>
+            <p:ph type="dt" sz="half" idx="10"/>
+          </p:nvPr>
+        </p:nvSpPr>
+        <p:spPr/>
+        <p:txBody>
+          <a:bodyPr/>
+          <a:lstStyle/>
+          <a:p>
+            <a:fld id="{4A29E8C7-C272-44A6-BA12-3FD591C0F95D}" type="datetimeFigureOut">
+              <a:rPr lang="fr-FR" smtClean="0"/>
+              <a:pPr/>
+              <a:t>07/07/2025</a:t>
+            </a:fld>
+            <a:endParaRPr lang="fr-FR" dirty="0"/>
+          </a:p>
+        </p:txBody>
+      </p:sp>
+      <p:sp>
+        <p:nvSpPr>
+          <p:cNvPr id="6" name="Espace réservé du pied de page 5"/>
+          <p:cNvSpPr>
+            <a:spLocks noGrp="1"/>
+          </p:cNvSpPr>
+          <p:nvPr>
+            <p:ph type="ftr" sz="quarter" idx="11"/>
+          </p:nvPr>
+        </p:nvSpPr>
+        <p:spPr/>
+        <p:txBody>
+          <a:bodyPr/>
+          <a:lstStyle/>
+          <a:p>
+            <a:endParaRPr lang="fr-FR" dirty="0"/>
+          </a:p>
+        </p:txBody>
+      </p:sp>
+      <p:sp>
+        <p:nvSpPr>
+          <p:cNvPr id="7" name="Espace réservé du numéro de diapositive 6"/>
+          <p:cNvSpPr>
+            <a:spLocks noGrp="1"/>
+          </p:cNvSpPr>
+          <p:nvPr>
+            <p:ph type="sldNum" sz="quarter" idx="12"/>
+          </p:nvPr>
+        </p:nvSpPr>
+        <p:spPr/>
+        <p:txBody>
+          <a:bodyPr/>
+          <a:lstStyle/>
+          <a:p>
+            <a:fld id="{1B3E0209-B3C1-4BB1-AE6C-37FA476D3CB0}" type="slidenum">
+              <a:rPr lang="fr-FR" smtClean="0"/>
+              <a:pPr/>
+              <a:t>‹N°›</a:t>
+            </a:fld>
+            <a:endParaRPr lang="fr-FR" dirty="0"/>
+          </a:p>
+        </p:txBody>
+      </p:sp>
+    </p:spTree>
+    <p:extLst>
+      <p:ext uri="{BB962C8B-B14F-4D97-AF65-F5344CB8AC3E}">
+        <p14:creationId xmlns:p14="http://schemas.microsoft.com/office/powerpoint/2010/main" val="4149158347"/>
       </p:ext>
     </p:extLst>
   </p:cSld>
@@ -784,9 +3112,9 @@
 </p:sldLayout>
 </file>
 
-<file path=ppt/slideLayouts/slideLayout4.xml><?xml version="1.0" encoding="utf-8"?>
-<p:sldLayout xmlns:a="http://schemas.openxmlformats.org/drawingml/2006/main" xmlns:r="http://schemas.openxmlformats.org/officeDocument/2006/relationships" xmlns:p="http://schemas.openxmlformats.org/presentationml/2006/main" type="tx" preserve="1">
-  <p:cSld name="Titre et texte">
+<file path=ppt/slideLayouts/slideLayout9.xml><?xml version="1.0" encoding="utf-8"?>
+<p:sldLayout xmlns:a="http://schemas.openxmlformats.org/drawingml/2006/main" xmlns:r="http://schemas.openxmlformats.org/officeDocument/2006/relationships" xmlns:p="http://schemas.openxmlformats.org/presentationml/2006/main" type="picTx" preserve="1">
+  <p:cSld name="Image avec légende">
     <p:spTree>
       <p:nvGrpSpPr>
         <p:cNvPr id="1" name=""/>
@@ -811,99 +3139,157 @@
             <p:ph type="title"/>
           </p:nvPr>
         </p:nvSpPr>
-        <p:spPr/>
+        <p:spPr>
+          <a:xfrm>
+            <a:off x="1792288" y="4800600"/>
+            <a:ext cx="5486400" cy="566738"/>
+          </a:xfrm>
+        </p:spPr>
+        <p:txBody>
+          <a:bodyPr anchor="b"/>
+          <a:lstStyle>
+            <a:lvl1pPr algn="l">
+              <a:defRPr sz="2000" b="1"/>
+            </a:lvl1pPr>
+          </a:lstStyle>
+          <a:p>
+            <a:r>
+              <a:rPr lang="fr-FR" smtClean="0"/>
+              <a:t>Modifiez le style du titre</a:t>
+            </a:r>
+            <a:endParaRPr lang="fr-FR"/>
+          </a:p>
+        </p:txBody>
+      </p:sp>
+      <p:sp>
+        <p:nvSpPr>
+          <p:cNvPr id="3" name="Espace réservé pour une image  2"/>
+          <p:cNvSpPr>
+            <a:spLocks noGrp="1"/>
+          </p:cNvSpPr>
+          <p:nvPr>
+            <p:ph type="pic" idx="1"/>
+          </p:nvPr>
+        </p:nvSpPr>
+        <p:spPr>
+          <a:xfrm>
+            <a:off x="1792288" y="612775"/>
+            <a:ext cx="5486400" cy="4114800"/>
+          </a:xfrm>
+        </p:spPr>
         <p:txBody>
           <a:bodyPr/>
           <a:lstStyle>
-            <a:lvl1pPr>
+            <a:lvl1pPr marL="0" indent="0">
+              <a:buNone/>
               <a:defRPr sz="3200"/>
             </a:lvl1pPr>
+            <a:lvl2pPr marL="457200" indent="0">
+              <a:buNone/>
+              <a:defRPr sz="2800"/>
+            </a:lvl2pPr>
+            <a:lvl3pPr marL="914400" indent="0">
+              <a:buNone/>
+              <a:defRPr sz="2400"/>
+            </a:lvl3pPr>
+            <a:lvl4pPr marL="1371600" indent="0">
+              <a:buNone/>
+              <a:defRPr sz="2000"/>
+            </a:lvl4pPr>
+            <a:lvl5pPr marL="1828800" indent="0">
+              <a:buNone/>
+              <a:defRPr sz="2000"/>
+            </a:lvl5pPr>
+            <a:lvl6pPr marL="2286000" indent="0">
+              <a:buNone/>
+              <a:defRPr sz="2000"/>
+            </a:lvl6pPr>
+            <a:lvl7pPr marL="2743200" indent="0">
+              <a:buNone/>
+              <a:defRPr sz="2000"/>
+            </a:lvl7pPr>
+            <a:lvl8pPr marL="3200400" indent="0">
+              <a:buNone/>
+              <a:defRPr sz="2000"/>
+            </a:lvl8pPr>
+            <a:lvl9pPr marL="3657600" indent="0">
+              <a:buNone/>
+              <a:defRPr sz="2000"/>
+            </a:lvl9pPr>
           </a:lstStyle>
           <a:p>
-            <a:r>
-              <a:rPr lang="fr-FR" dirty="0" smtClean="0"/>
-              <a:t>Modifiez le style du titre</a:t>
-            </a:r>
-            <a:endParaRPr lang="fr-FR" dirty="0"/>
-          </a:p>
-        </p:txBody>
-      </p:sp>
-      <p:sp>
-        <p:nvSpPr>
-          <p:cNvPr id="3" name="Espace réservé du texte 2"/>
-          <p:cNvSpPr>
-            <a:spLocks noGrp="1"/>
-          </p:cNvSpPr>
-          <p:nvPr>
-            <p:ph type="body" idx="1"/>
+            <a:endParaRPr lang="fr-FR" dirty="0"/>
+          </a:p>
+        </p:txBody>
+      </p:sp>
+      <p:sp>
+        <p:nvSpPr>
+          <p:cNvPr id="4" name="Espace réservé du texte 3"/>
+          <p:cNvSpPr>
+            <a:spLocks noGrp="1"/>
+          </p:cNvSpPr>
+          <p:nvPr>
+            <p:ph type="body" sz="half" idx="2"/>
           </p:nvPr>
         </p:nvSpPr>
         <p:spPr>
           <a:xfrm>
-            <a:off x="457200" y="1635646"/>
-            <a:ext cx="4834880" cy="2886969"/>
+            <a:off x="1792288" y="5367338"/>
+            <a:ext cx="5486400" cy="804862"/>
           </a:xfrm>
         </p:spPr>
         <p:txBody>
-          <a:bodyPr anchor="t"/>
+          <a:bodyPr/>
           <a:lstStyle>
-            <a:lvl1pPr>
-              <a:defRPr sz="2800"/>
+            <a:lvl1pPr marL="0" indent="0">
+              <a:buNone/>
+              <a:defRPr sz="1400"/>
             </a:lvl1pPr>
-            <a:lvl2pPr>
-              <a:defRPr sz="2400"/>
+            <a:lvl2pPr marL="457200" indent="0">
+              <a:buNone/>
+              <a:defRPr sz="1200"/>
             </a:lvl2pPr>
-            <a:lvl3pPr>
-              <a:defRPr sz="2000"/>
+            <a:lvl3pPr marL="914400" indent="0">
+              <a:buNone/>
+              <a:defRPr sz="1000"/>
             </a:lvl3pPr>
-            <a:lvl4pPr>
-              <a:defRPr sz="1800"/>
+            <a:lvl4pPr marL="1371600" indent="0">
+              <a:buNone/>
+              <a:defRPr sz="900"/>
             </a:lvl4pPr>
-            <a:lvl5pPr>
-              <a:defRPr sz="1800"/>
+            <a:lvl5pPr marL="1828800" indent="0">
+              <a:buNone/>
+              <a:defRPr sz="900"/>
             </a:lvl5pPr>
+            <a:lvl6pPr marL="2286000" indent="0">
+              <a:buNone/>
+              <a:defRPr sz="900"/>
+            </a:lvl6pPr>
+            <a:lvl7pPr marL="2743200" indent="0">
+              <a:buNone/>
+              <a:defRPr sz="900"/>
+            </a:lvl7pPr>
+            <a:lvl8pPr marL="3200400" indent="0">
+              <a:buNone/>
+              <a:defRPr sz="900"/>
+            </a:lvl8pPr>
+            <a:lvl9pPr marL="3657600" indent="0">
+              <a:buNone/>
+              <a:defRPr sz="900"/>
+            </a:lvl9pPr>
           </a:lstStyle>
           <a:p>
             <a:pPr lvl="0"/>
             <a:r>
-              <a:rPr lang="fr-FR" dirty="0" smtClean="0"/>
+              <a:rPr lang="fr-FR" smtClean="0"/>
               <a:t>Modifiez les styles du texte du masque</a:t>
             </a:r>
           </a:p>
-          <a:p>
-            <a:pPr lvl="1"/>
-            <a:r>
-              <a:rPr lang="fr-FR" dirty="0" smtClean="0"/>
-              <a:t>Deuxième niveau</a:t>
-            </a:r>
-          </a:p>
-          <a:p>
-            <a:pPr lvl="2"/>
-            <a:r>
-              <a:rPr lang="fr-FR" dirty="0" smtClean="0"/>
-              <a:t>Troisième niveau</a:t>
-            </a:r>
-          </a:p>
-          <a:p>
-            <a:pPr lvl="3"/>
-            <a:r>
-              <a:rPr lang="fr-FR" dirty="0" smtClean="0"/>
-              <a:t>Quatrième niveau</a:t>
-            </a:r>
-          </a:p>
-          <a:p>
-            <a:pPr lvl="4"/>
-            <a:r>
-              <a:rPr lang="fr-FR" dirty="0" smtClean="0"/>
-              <a:t>Cinquième niveau</a:t>
-            </a:r>
-            <a:endParaRPr lang="fr-FR" dirty="0"/>
-          </a:p>
-        </p:txBody>
-      </p:sp>
-      <p:sp>
-        <p:nvSpPr>
-          <p:cNvPr id="4" name="Espace réservé de la date 3"/>
+        </p:txBody>
+      </p:sp>
+      <p:sp>
+        <p:nvSpPr>
+          <p:cNvPr id="5" name="Espace réservé de la date 4"/>
           <p:cNvSpPr>
             <a:spLocks noGrp="1"/>
           </p:cNvSpPr>
@@ -916,9 +3302,53 @@
           <a:bodyPr/>
           <a:lstStyle/>
           <a:p>
-            <a:fld id="{9C62A8FC-B0A8-4E22-8F70-522498ABD20C}" type="datetimeFigureOut">
-              <a:rPr lang="fr-FR" smtClean="0"/>
-              <a:t>09/07/2025</a:t>
+            <a:fld id="{4A29E8C7-C272-44A6-BA12-3FD591C0F95D}" type="datetimeFigureOut">
+              <a:rPr lang="fr-FR" smtClean="0"/>
+              <a:pPr/>
+              <a:t>07/07/2025</a:t>
+            </a:fld>
+            <a:endParaRPr lang="fr-FR" dirty="0"/>
+          </a:p>
+        </p:txBody>
+      </p:sp>
+      <p:sp>
+        <p:nvSpPr>
+          <p:cNvPr id="6" name="Espace réservé du pied de page 5"/>
+          <p:cNvSpPr>
+            <a:spLocks noGrp="1"/>
+          </p:cNvSpPr>
+          <p:nvPr>
+            <p:ph type="ftr" sz="quarter" idx="11"/>
+          </p:nvPr>
+        </p:nvSpPr>
+        <p:spPr/>
+        <p:txBody>
+          <a:bodyPr/>
+          <a:lstStyle/>
+          <a:p>
+            <a:endParaRPr lang="fr-FR" dirty="0"/>
+          </a:p>
+        </p:txBody>
+      </p:sp>
+      <p:sp>
+        <p:nvSpPr>
+          <p:cNvPr id="7" name="Espace réservé du numéro de diapositive 6"/>
+          <p:cNvSpPr>
+            <a:spLocks noGrp="1"/>
+          </p:cNvSpPr>
+          <p:nvPr>
+            <p:ph type="sldNum" sz="quarter" idx="12"/>
+          </p:nvPr>
+        </p:nvSpPr>
+        <p:spPr/>
+        <p:txBody>
+          <a:bodyPr/>
+          <a:lstStyle/>
+          <a:p>
+            <a:fld id="{1B3E0209-B3C1-4BB1-AE6C-37FA476D3CB0}" type="slidenum">
+              <a:rPr lang="fr-FR" smtClean="0"/>
+              <a:pPr/>
+              <a:t>‹N°›</a:t>
             </a:fld>
             <a:endParaRPr lang="fr-FR" dirty="0"/>
           </a:p>
@@ -927,7 +3357,7 @@
     </p:spTree>
     <p:extLst>
       <p:ext uri="{BB962C8B-B14F-4D97-AF65-F5344CB8AC3E}">
-        <p14:creationId xmlns:p14="http://schemas.microsoft.com/office/powerpoint/2010/main" val="2101145370"/>
+        <p14:creationId xmlns:p14="http://schemas.microsoft.com/office/powerpoint/2010/main" val="2834194553"/>
       </p:ext>
     </p:extLst>
   </p:cSld>
@@ -971,8 +3401,8 @@
         </p:nvSpPr>
         <p:spPr>
           <a:xfrm>
-            <a:off x="457200" y="51470"/>
-            <a:ext cx="8229600" cy="1440159"/>
+            <a:off x="1475656" y="188640"/>
+            <a:ext cx="7488832" cy="1872208"/>
           </a:xfrm>
           <a:prstGeom prst="rect">
             <a:avLst/>
@@ -1004,16 +3434,16 @@
         </p:nvSpPr>
         <p:spPr>
           <a:xfrm>
-            <a:off x="457200" y="1635646"/>
-            <a:ext cx="4834880" cy="2886969"/>
+            <a:off x="1475656" y="2132856"/>
+            <a:ext cx="7488832" cy="3993307"/>
           </a:xfrm>
           <a:prstGeom prst="rect">
             <a:avLst/>
           </a:prstGeom>
         </p:spPr>
         <p:txBody>
-          <a:bodyPr vert="horz" lIns="91440" tIns="45720" rIns="91440" bIns="45720" rtlCol="0" anchor="t">
-            <a:noAutofit/>
+          <a:bodyPr vert="horz" lIns="91440" tIns="45720" rIns="91440" bIns="45720" rtlCol="0" anchor="ctr">
+            <a:normAutofit/>
           </a:bodyPr>
           <a:lstStyle/>
           <a:p>
@@ -1066,8 +3496,8 @@
         </p:nvSpPr>
         <p:spPr>
           <a:xfrm>
-            <a:off x="457200" y="4767263"/>
-            <a:ext cx="2133600" cy="273844"/>
+            <a:off x="457200" y="6356350"/>
+            <a:ext cx="2133600" cy="365125"/>
           </a:xfrm>
           <a:prstGeom prst="rect">
             <a:avLst/>
@@ -1087,9 +3517,89 @@
             </a:lvl1pPr>
           </a:lstStyle>
           <a:p>
-            <a:fld id="{9C62A8FC-B0A8-4E22-8F70-522498ABD20C}" type="datetimeFigureOut">
-              <a:rPr lang="fr-FR" smtClean="0"/>
-              <a:t>09/07/2025</a:t>
+            <a:fld id="{4A29E8C7-C272-44A6-BA12-3FD591C0F95D}" type="datetimeFigureOut">
+              <a:rPr lang="fr-FR" smtClean="0"/>
+              <a:pPr/>
+              <a:t>07/07/2025</a:t>
+            </a:fld>
+            <a:endParaRPr lang="fr-FR" dirty="0"/>
+          </a:p>
+        </p:txBody>
+      </p:sp>
+      <p:sp>
+        <p:nvSpPr>
+          <p:cNvPr id="5" name="Espace réservé du pied de page 4"/>
+          <p:cNvSpPr>
+            <a:spLocks noGrp="1"/>
+          </p:cNvSpPr>
+          <p:nvPr>
+            <p:ph type="ftr" sz="quarter" idx="3"/>
+          </p:nvPr>
+        </p:nvSpPr>
+        <p:spPr>
+          <a:xfrm>
+            <a:off x="3124200" y="6356350"/>
+            <a:ext cx="2895600" cy="365125"/>
+          </a:xfrm>
+          <a:prstGeom prst="rect">
+            <a:avLst/>
+          </a:prstGeom>
+        </p:spPr>
+        <p:txBody>
+          <a:bodyPr vert="horz" lIns="91440" tIns="45720" rIns="91440" bIns="45720" rtlCol="0" anchor="ctr"/>
+          <a:lstStyle>
+            <a:lvl1pPr algn="ctr">
+              <a:defRPr sz="1200">
+                <a:solidFill>
+                  <a:schemeClr val="tx1">
+                    <a:tint val="75000"/>
+                  </a:schemeClr>
+                </a:solidFill>
+              </a:defRPr>
+            </a:lvl1pPr>
+          </a:lstStyle>
+          <a:p>
+            <a:endParaRPr lang="fr-FR" dirty="0"/>
+          </a:p>
+        </p:txBody>
+      </p:sp>
+      <p:sp>
+        <p:nvSpPr>
+          <p:cNvPr id="6" name="Espace réservé du numéro de diapositive 5"/>
+          <p:cNvSpPr>
+            <a:spLocks noGrp="1"/>
+          </p:cNvSpPr>
+          <p:nvPr>
+            <p:ph type="sldNum" sz="quarter" idx="4"/>
+          </p:nvPr>
+        </p:nvSpPr>
+        <p:spPr>
+          <a:xfrm>
+            <a:off x="6553200" y="6356350"/>
+            <a:ext cx="2133600" cy="365125"/>
+          </a:xfrm>
+          <a:prstGeom prst="rect">
+            <a:avLst/>
+          </a:prstGeom>
+        </p:spPr>
+        <p:txBody>
+          <a:bodyPr vert="horz" lIns="91440" tIns="45720" rIns="91440" bIns="45720" rtlCol="0" anchor="ctr"/>
+          <a:lstStyle>
+            <a:lvl1pPr algn="r">
+              <a:defRPr sz="1200">
+                <a:solidFill>
+                  <a:schemeClr val="tx1">
+                    <a:tint val="75000"/>
+                  </a:schemeClr>
+                </a:solidFill>
+              </a:defRPr>
+            </a:lvl1pPr>
+          </a:lstStyle>
+          <a:p>
+            <a:fld id="{1B3E0209-B3C1-4BB1-AE6C-37FA476D3CB0}" type="slidenum">
+              <a:rPr lang="fr-FR" smtClean="0"/>
+              <a:pPr/>
+              <a:t>‹N°›</a:t>
             </a:fld>
             <a:endParaRPr lang="fr-FR" dirty="0"/>
           </a:p>
@@ -1104,7 +3614,7 @@
           <p:nvPr userDrawn="1"/>
         </p:nvPicPr>
         <p:blipFill>
-          <a:blip r:embed="rId6" cstate="print">
+          <a:blip r:embed="rId14" cstate="print">
             <a:extLst>
               <a:ext uri="{28A0092B-C50C-407E-A947-70E740481C1C}">
                 <a14:useLocalDpi xmlns:a14="http://schemas.microsoft.com/office/drawing/2010/main" val="0"/>
@@ -1117,49 +3627,18 @@
         </p:blipFill>
         <p:spPr>
           <a:xfrm>
-            <a:off x="7308304" y="4675356"/>
-            <a:ext cx="1656184" cy="365751"/>
+            <a:off x="198944" y="188640"/>
+            <a:ext cx="1204704" cy="1382341"/>
           </a:xfrm>
           <a:prstGeom prst="rect">
             <a:avLst/>
           </a:prstGeom>
         </p:spPr>
       </p:pic>
-      <p:cxnSp>
-        <p:nvCxnSpPr>
-          <p:cNvPr id="9" name="Connecteur droit 8"/>
-          <p:cNvCxnSpPr/>
-          <p:nvPr userDrawn="1"/>
-        </p:nvCxnSpPr>
-        <p:spPr>
-          <a:xfrm flipH="1">
-            <a:off x="467544" y="4587974"/>
-            <a:ext cx="8496944" cy="0"/>
-          </a:xfrm>
-          <a:prstGeom prst="line">
-            <a:avLst/>
-          </a:prstGeom>
-          <a:ln w="25400" cap="rnd"/>
-        </p:spPr>
-        <p:style>
-          <a:lnRef idx="1">
-            <a:schemeClr val="accent1"/>
-          </a:lnRef>
-          <a:fillRef idx="0">
-            <a:schemeClr val="accent1"/>
-          </a:fillRef>
-          <a:effectRef idx="0">
-            <a:schemeClr val="accent1"/>
-          </a:effectRef>
-          <a:fontRef idx="minor">
-            <a:schemeClr val="tx1"/>
-          </a:fontRef>
-        </p:style>
-      </p:cxnSp>
     </p:spTree>
     <p:extLst>
       <p:ext uri="{BB962C8B-B14F-4D97-AF65-F5344CB8AC3E}">
-        <p14:creationId xmlns:p14="http://schemas.microsoft.com/office/powerpoint/2010/main" val="3925964835"/>
+        <p14:creationId xmlns:p14="http://schemas.microsoft.com/office/powerpoint/2010/main" val="3352285595"/>
       </p:ext>
     </p:extLst>
   </p:cSld>
@@ -1169,6 +3648,14 @@
     <p:sldLayoutId id="2147483650" r:id="rId2"/>
     <p:sldLayoutId id="2147483651" r:id="rId3"/>
     <p:sldLayoutId id="2147483652" r:id="rId4"/>
+    <p:sldLayoutId id="2147483653" r:id="rId5"/>
+    <p:sldLayoutId id="2147483654" r:id="rId6"/>
+    <p:sldLayoutId id="2147483655" r:id="rId7"/>
+    <p:sldLayoutId id="2147483656" r:id="rId8"/>
+    <p:sldLayoutId id="2147483657" r:id="rId9"/>
+    <p:sldLayoutId id="2147483658" r:id="rId10"/>
+    <p:sldLayoutId id="2147483659" r:id="rId11"/>
+    <p:sldLayoutId id="2147483660" r:id="rId12"/>
   </p:sldLayoutIdLst>
   <p:timing>
     <p:tnLst>
@@ -1184,91 +3671,103 @@
           <a:spcPct val="0"/>
         </a:spcBef>
         <a:buNone/>
-        <a:defRPr sz="3200" kern="1200">
+        <a:defRPr sz="4400" kern="1200">
           <a:solidFill>
-            <a:srgbClr val="2D2D2D"/>
+            <a:srgbClr val="632423"/>
           </a:solidFill>
-          <a:latin typeface="Trebuchet MS" panose="020B0603020202020204" pitchFamily="34" charset="0"/>
-          <a:ea typeface="Roboto" pitchFamily="2" charset="0"/>
+          <a:latin typeface="+mj-lt"/>
+          <a:ea typeface="+mj-ea"/>
           <a:cs typeface="+mj-cs"/>
         </a:defRPr>
       </a:lvl1pPr>
     </p:titleStyle>
     <p:bodyStyle>
       <a:lvl1pPr marL="342900" indent="-342900" algn="l" defTabSz="914400" rtl="0" eaLnBrk="1" latinLnBrk="0" hangingPunct="1">
+        <a:lnSpc>
+          <a:spcPct val="150000"/>
+        </a:lnSpc>
         <a:spcBef>
           <a:spcPct val="20000"/>
         </a:spcBef>
-        <a:buClr>
-          <a:srgbClr val="E96757"/>
-        </a:buClr>
         <a:buFont typeface="Arial" panose="020B0604020202020204" pitchFamily="34" charset="0"/>
         <a:buChar char="•"/>
-        <a:defRPr sz="2800" kern="1200">
+        <a:defRPr sz="3200" kern="1200">
           <a:solidFill>
-            <a:srgbClr val="2D2D2D"/>
+            <a:schemeClr val="tx1"/>
           </a:solidFill>
-          <a:latin typeface="Trebuchet MS" panose="020B0603020202020204" pitchFamily="34" charset="0"/>
+          <a:latin typeface="+mn-lt"/>
           <a:ea typeface="+mn-ea"/>
           <a:cs typeface="+mn-cs"/>
         </a:defRPr>
       </a:lvl1pPr>
       <a:lvl2pPr marL="742950" indent="-285750" algn="l" defTabSz="914400" rtl="0" eaLnBrk="1" latinLnBrk="0" hangingPunct="1">
+        <a:lnSpc>
+          <a:spcPct val="150000"/>
+        </a:lnSpc>
         <a:spcBef>
           <a:spcPct val="20000"/>
         </a:spcBef>
         <a:buFont typeface="Arial" panose="020B0604020202020204" pitchFamily="34" charset="0"/>
         <a:buChar char="–"/>
-        <a:defRPr sz="2400" kern="1200">
+        <a:defRPr sz="2800" kern="1200">
           <a:solidFill>
-            <a:srgbClr val="2D2D2D"/>
+            <a:schemeClr val="tx1"/>
           </a:solidFill>
-          <a:latin typeface="Trebuchet MS" panose="020B0603020202020204" pitchFamily="34" charset="0"/>
+          <a:latin typeface="+mn-lt"/>
           <a:ea typeface="+mn-ea"/>
           <a:cs typeface="+mn-cs"/>
         </a:defRPr>
       </a:lvl2pPr>
       <a:lvl3pPr marL="1143000" indent="-228600" algn="l" defTabSz="914400" rtl="0" eaLnBrk="1" latinLnBrk="0" hangingPunct="1">
+        <a:lnSpc>
+          <a:spcPct val="150000"/>
+        </a:lnSpc>
         <a:spcBef>
           <a:spcPct val="20000"/>
         </a:spcBef>
         <a:buFont typeface="Arial" panose="020B0604020202020204" pitchFamily="34" charset="0"/>
         <a:buChar char="•"/>
-        <a:defRPr sz="2000" kern="1200">
+        <a:defRPr sz="2400" kern="1200">
           <a:solidFill>
-            <a:srgbClr val="2D2D2D"/>
+            <a:schemeClr val="tx1"/>
           </a:solidFill>
-          <a:latin typeface="Trebuchet MS" panose="020B0603020202020204" pitchFamily="34" charset="0"/>
+          <a:latin typeface="+mn-lt"/>
           <a:ea typeface="+mn-ea"/>
           <a:cs typeface="+mn-cs"/>
         </a:defRPr>
       </a:lvl3pPr>
       <a:lvl4pPr marL="1600200" indent="-228600" algn="l" defTabSz="914400" rtl="0" eaLnBrk="1" latinLnBrk="0" hangingPunct="1">
+        <a:lnSpc>
+          <a:spcPct val="150000"/>
+        </a:lnSpc>
         <a:spcBef>
           <a:spcPct val="20000"/>
         </a:spcBef>
         <a:buFont typeface="Arial" panose="020B0604020202020204" pitchFamily="34" charset="0"/>
         <a:buChar char="–"/>
-        <a:defRPr sz="1800" kern="1200">
+        <a:defRPr sz="2000" kern="1200">
           <a:solidFill>
-            <a:srgbClr val="2D2D2D"/>
+            <a:schemeClr val="tx1"/>
           </a:solidFill>
-          <a:latin typeface="Trebuchet MS" panose="020B0603020202020204" pitchFamily="34" charset="0"/>
+          <a:latin typeface="+mn-lt"/>
           <a:ea typeface="+mn-ea"/>
           <a:cs typeface="+mn-cs"/>
         </a:defRPr>
       </a:lvl4pPr>
       <a:lvl5pPr marL="2057400" indent="-228600" algn="l" defTabSz="914400" rtl="0" eaLnBrk="1" latinLnBrk="0" hangingPunct="1">
+        <a:lnSpc>
+          <a:spcPct val="150000"/>
+        </a:lnSpc>
         <a:spcBef>
           <a:spcPct val="20000"/>
         </a:spcBef>
         <a:buFont typeface="Arial" panose="020B0604020202020204" pitchFamily="34" charset="0"/>
         <a:buChar char="»"/>
-        <a:defRPr sz="1800" kern="1200">
+        <a:defRPr sz="2000" kern="1200">
           <a:solidFill>
-            <a:srgbClr val="2D2D2D"/>
+            <a:schemeClr val="tx1"/>
           </a:solidFill>
-          <a:latin typeface="Trebuchet MS" panose="020B0603020202020204" pitchFamily="34" charset="0"/>
+          <a:latin typeface="+mn-lt"/>
           <a:ea typeface="+mn-ea"/>
           <a:cs typeface="+mn-cs"/>
         </a:defRPr>
@@ -1460,12 +3959,7 @@
             <p:ph type="title"/>
           </p:nvPr>
         </p:nvSpPr>
-        <p:spPr>
-          <a:xfrm>
-            <a:off x="457200" y="51470"/>
-            <a:ext cx="8229600" cy="1152127"/>
-          </a:xfrm>
-        </p:spPr>
+        <p:spPr/>
         <p:txBody>
           <a:bodyPr/>
           <a:lstStyle/>
@@ -1480,11 +3974,13 @@
       </p:sp>
       <p:pic>
         <p:nvPicPr>
-          <p:cNvPr id="5" name="Espace réservé du contenu 6"/>
+          <p:cNvPr id="7" name="Espace réservé du contenu 6"/>
           <p:cNvPicPr>
-            <a:picLocks noChangeAspect="1"/>
+            <a:picLocks noGrp="1" noChangeAspect="1"/>
           </p:cNvPicPr>
-          <p:nvPr/>
+          <p:nvPr>
+            <p:ph sz="half" idx="1"/>
+          </p:nvPr>
         </p:nvPicPr>
         <p:blipFill rotWithShape="1">
           <a:blip r:embed="rId2">
@@ -1499,155 +3995,98 @@
         </p:blipFill>
         <p:spPr>
           <a:xfrm>
-            <a:off x="6715499" y="1203598"/>
-            <a:ext cx="2176981" cy="3044353"/>
+            <a:off x="5148064" y="1700808"/>
+            <a:ext cx="3092823" cy="4325094"/>
+          </a:xfrm>
+        </p:spPr>
+      </p:pic>
+      <p:sp>
+        <p:nvSpPr>
+          <p:cNvPr id="8" name="ZoneTexte 7"/>
+          <p:cNvSpPr txBox="1"/>
+          <p:nvPr/>
+        </p:nvSpPr>
+        <p:spPr>
+          <a:xfrm>
+            <a:off x="251520" y="1816363"/>
+            <a:ext cx="4248472" cy="4708981"/>
           </a:xfrm>
           <a:prstGeom prst="rect">
             <a:avLst/>
           </a:prstGeom>
+          <a:noFill/>
         </p:spPr>
-      </p:pic>
-      <p:sp>
-        <p:nvSpPr>
-          <p:cNvPr id="6" name="Rectangle 5"/>
-          <p:cNvSpPr/>
-          <p:nvPr/>
-        </p:nvSpPr>
-        <p:spPr>
-          <a:xfrm>
-            <a:off x="467544" y="1203598"/>
-            <a:ext cx="6048672" cy="3139321"/>
-          </a:xfrm>
-          <a:prstGeom prst="rect">
-            <a:avLst/>
-          </a:prstGeom>
-        </p:spPr>
-        <p:txBody>
-          <a:bodyPr wrap="square">
+        <p:txBody>
+          <a:bodyPr wrap="square" rtlCol="0">
             <a:spAutoFit/>
           </a:bodyPr>
           <a:lstStyle/>
           <a:p>
             <a:r>
-              <a:rPr lang="fr-FR" dirty="0" smtClean="0">
-                <a:solidFill>
-                  <a:srgbClr val="E96757"/>
-                </a:solidFill>
-              </a:rPr>
-              <a:t>👉</a:t>
-            </a:r>
-            <a:r>
-              <a:rPr lang="fr-FR" dirty="0" smtClean="0"/>
-              <a:t> </a:t>
-            </a:r>
-            <a:r>
-              <a:rPr lang="fr-FR" dirty="0" smtClean="0">
-                <a:solidFill>
-                  <a:srgbClr val="2D2D2D"/>
-                </a:solidFill>
-              </a:rPr>
-              <a:t>Lorsque la question s’affiche à l’écran, appuyez sur le bouton correspondant à votre réponse.</a:t>
-            </a:r>
-          </a:p>
-          <a:p>
-            <a:endParaRPr lang="fr-FR" dirty="0" smtClean="0">
-              <a:solidFill>
-                <a:srgbClr val="2D2D2D"/>
-              </a:solidFill>
-            </a:endParaRPr>
-          </a:p>
-          <a:p>
-            <a:r>
-              <a:rPr lang="fr-FR" dirty="0" smtClean="0">
-                <a:solidFill>
-                  <a:srgbClr val="E96757"/>
-                </a:solidFill>
-              </a:rPr>
-              <a:t>👉</a:t>
-            </a:r>
-            <a:r>
-              <a:rPr lang="fr-FR" dirty="0" smtClean="0">
-                <a:solidFill>
-                  <a:srgbClr val="2D2D2D"/>
-                </a:solidFill>
-              </a:rPr>
-              <a:t> Un voyant vert s’allume brièvement pour confirmer que votre réponse a bien été enregistrée.</a:t>
-            </a:r>
-          </a:p>
-          <a:p>
-            <a:endParaRPr lang="fr-FR" dirty="0" smtClean="0">
-              <a:solidFill>
-                <a:srgbClr val="2D2D2D"/>
-              </a:solidFill>
-            </a:endParaRPr>
-          </a:p>
-          <a:p>
-            <a:r>
-              <a:rPr lang="fr-FR" dirty="0" smtClean="0">
-                <a:solidFill>
-                  <a:srgbClr val="E96757"/>
-                </a:solidFill>
-              </a:rPr>
-              <a:t>👉</a:t>
-            </a:r>
-            <a:r>
-              <a:rPr lang="fr-FR" dirty="0" smtClean="0">
-                <a:solidFill>
-                  <a:srgbClr val="2D2D2D"/>
-                </a:solidFill>
-              </a:rPr>
-              <a:t> Vous pouvez modifier votre choix à tout moment, jusqu’à la fin du compte à rebours en cliquant sur le bouton de votre réponse finale.</a:t>
-            </a:r>
-          </a:p>
-          <a:p>
-            <a:endParaRPr lang="fr-FR" dirty="0" smtClean="0">
-              <a:solidFill>
-                <a:srgbClr val="2D2D2D"/>
-              </a:solidFill>
-            </a:endParaRPr>
-          </a:p>
-          <a:p>
-            <a:r>
-              <a:rPr lang="fr-FR" dirty="0" smtClean="0">
-                <a:solidFill>
-                  <a:srgbClr val="E96757"/>
-                </a:solidFill>
-              </a:rPr>
-              <a:t>👉</a:t>
-            </a:r>
-            <a:r>
-              <a:rPr lang="fr-FR" dirty="0" smtClean="0">
-                <a:solidFill>
-                  <a:srgbClr val="2D2D2D"/>
-                </a:solidFill>
-              </a:rPr>
-              <a:t> N’utilisez pas le bouton jaune, il peut dérégler votre boîtier.</a:t>
-            </a:r>
-            <a:endParaRPr lang="fr-FR" dirty="0">
-              <a:solidFill>
-                <a:srgbClr val="2D2D2D"/>
-              </a:solidFill>
-            </a:endParaRPr>
+              <a:rPr lang="fr-FR" sz="2000" dirty="0"/>
+              <a:t>👉 Lorsque la question s’affiche à l’écran, appuyez sur le bouton correspondant à votre réponse</a:t>
+            </a:r>
+            <a:r>
+              <a:rPr lang="fr-FR" sz="2000" dirty="0" smtClean="0"/>
+              <a:t>.</a:t>
+            </a:r>
+          </a:p>
+          <a:p>
+            <a:endParaRPr lang="fr-FR" sz="2000" dirty="0"/>
+          </a:p>
+          <a:p>
+            <a:r>
+              <a:rPr lang="fr-FR" sz="2000" dirty="0" smtClean="0"/>
+              <a:t>👉 </a:t>
+            </a:r>
+            <a:r>
+              <a:rPr lang="fr-FR" sz="2000" dirty="0"/>
+              <a:t>Un voyant vert s’allume brièvement pour confirmer que votre réponse a bien été enregistrée</a:t>
+            </a:r>
+            <a:r>
+              <a:rPr lang="fr-FR" sz="2000" dirty="0" smtClean="0"/>
+              <a:t>.</a:t>
+            </a:r>
+          </a:p>
+          <a:p>
+            <a:endParaRPr lang="fr-FR" sz="2000" dirty="0"/>
+          </a:p>
+          <a:p>
+            <a:r>
+              <a:rPr lang="fr-FR" sz="2000" dirty="0" smtClean="0"/>
+              <a:t>👉 </a:t>
+            </a:r>
+            <a:r>
+              <a:rPr lang="fr-FR" sz="2000" dirty="0"/>
+              <a:t>Vous pouvez modifier votre choix à tout moment, jusqu’à la fin du compte à </a:t>
+            </a:r>
+            <a:r>
+              <a:rPr lang="fr-FR" sz="2000" dirty="0" smtClean="0"/>
+              <a:t>rebours en cliquant sur le bouton de votre réponse finale.</a:t>
+            </a:r>
+          </a:p>
+          <a:p>
+            <a:endParaRPr lang="fr-FR" sz="2000" dirty="0"/>
+          </a:p>
+          <a:p>
+            <a:r>
+              <a:rPr lang="fr-FR" sz="2000" dirty="0" smtClean="0"/>
+              <a:t>👉 N’utilisez pas le bouton jaune, il peut dérégler votre boîtier.</a:t>
+            </a:r>
+            <a:endParaRPr lang="fr-FR" sz="2000" dirty="0"/>
           </a:p>
         </p:txBody>
       </p:sp>
     </p:spTree>
     <p:extLst>
       <p:ext uri="{BB962C8B-B14F-4D97-AF65-F5344CB8AC3E}">
-        <p14:creationId xmlns:p14="http://schemas.microsoft.com/office/powerpoint/2010/main" val="3641218698"/>
+        <p14:creationId xmlns:p14="http://schemas.microsoft.com/office/powerpoint/2010/main" val="1996961222"/>
       </p:ext>
     </p:extLst>
   </p:cSld>
   <p:clrMapOvr>
     <a:masterClrMapping/>
   </p:clrMapOvr>
-  <p:timing>
-    <p:tnLst>
-      <p:par>
-        <p:cTn id="1" dur="indefinite" restart="never" nodeType="tmRoot"/>
-      </p:par>
-    </p:tnLst>
-  </p:timing>
 </p:sld>
 </file>
 
@@ -1683,25 +4122,30 @@
         </p:nvSpPr>
         <p:spPr>
           <a:xfrm>
-            <a:off x="1115616" y="123479"/>
-            <a:ext cx="6984776" cy="1440159"/>
+            <a:off x="1475656" y="5085184"/>
+            <a:ext cx="7211144" cy="1143000"/>
           </a:xfrm>
         </p:spPr>
         <p:txBody>
-          <a:bodyPr/>
-          <a:lstStyle/>
-          <a:p>
-            <a:r>
-              <a:rPr lang="fr-FR" sz="3200" dirty="0"/>
-              <a:t>Le CACES signifie : </a:t>
-            </a:r>
-            <a:br>
-              <a:rPr lang="fr-FR" sz="3200" dirty="0"/>
-            </a:br>
-            <a:r>
-              <a:rPr lang="fr-FR" sz="3200" dirty="0"/>
-              <a:t>Certificat d'Aptitude à la Conduite En Sécurité</a:t>
-            </a:r>
+          <a:bodyPr>
+            <a:normAutofit/>
+          </a:bodyPr>
+          <a:lstStyle/>
+          <a:p>
+            <a:pPr algn="r"/>
+            <a:r>
+              <a:rPr lang="fr-FR" sz="3200" dirty="0" smtClean="0">
+                <a:solidFill>
+                  <a:schemeClr val="accent2"/>
+                </a:solidFill>
+              </a:rPr>
+              <a:t>Question test</a:t>
+            </a:r>
+            <a:endParaRPr lang="fr-FR" sz="3200" dirty="0">
+              <a:solidFill>
+                <a:schemeClr val="accent2"/>
+              </a:solidFill>
+            </a:endParaRPr>
           </a:p>
         </p:txBody>
       </p:sp>
@@ -1720,16 +4164,18 @@
         </p:nvSpPr>
         <p:spPr>
           <a:xfrm>
-            <a:off x="457200" y="1707654"/>
-            <a:ext cx="4572000" cy="2814961"/>
+            <a:off x="1331640" y="1916832"/>
+            <a:ext cx="3697560" cy="3528392"/>
           </a:xfrm>
         </p:spPr>
         <p:txBody>
-          <a:bodyPr anchor="t"/>
+          <a:bodyPr>
+            <a:normAutofit/>
+          </a:bodyPr>
           <a:lstStyle/>
           <a:p>
             <a:pPr marL="514350" indent="-514350">
-              <a:buAutoNum type="arabicPeriod"/>
+              <a:buAutoNum type="alphaUcPeriod"/>
             </a:pPr>
             <a:r>
               <a:rPr lang="fr-FR" dirty="0" smtClean="0"/>
@@ -1738,7 +4184,7 @@
           </a:p>
           <a:p>
             <a:pPr marL="514350" indent="-514350">
-              <a:buAutoNum type="arabicPeriod"/>
+              <a:buAutoNum type="alphaUcPeriod"/>
             </a:pPr>
             <a:r>
               <a:rPr lang="fr-FR" dirty="0" smtClean="0"/>
@@ -1756,8 +4202,8 @@
         </p:nvSpPr>
         <p:spPr>
           <a:xfrm>
-            <a:off x="2537520" y="3939902"/>
-            <a:ext cx="6606480" cy="584775"/>
+            <a:off x="1547664" y="6021288"/>
+            <a:ext cx="7416824" cy="646331"/>
           </a:xfrm>
           <a:prstGeom prst="rect">
             <a:avLst/>
@@ -1770,18 +4216,13 @@
           <a:lstStyle/>
           <a:p>
             <a:r>
-              <a:rPr lang="fr-FR" sz="1600" i="1" dirty="0">
+              <a:rPr lang="fr-FR" i="1" dirty="0">
                 <a:solidFill>
-                  <a:srgbClr val="E96757"/>
+                  <a:schemeClr val="accent1"/>
                 </a:solidFill>
               </a:rPr>
               <a:t>Cette question est uniquement destinée à vérifier le bon fonctionnement des boîtiers de vote. Elle n'a aucun impact sur l’évaluation finale.</a:t>
             </a:r>
-            <a:endParaRPr lang="fr-FR" sz="1600" i="1" dirty="0">
-              <a:solidFill>
-                <a:srgbClr val="E96757"/>
-              </a:solidFill>
-            </a:endParaRPr>
           </a:p>
         </p:txBody>
       </p:sp>
@@ -1793,8 +4234,8 @@
         </p:nvSpPr>
         <p:spPr>
           <a:xfrm>
-            <a:off x="404410" y="3939902"/>
-            <a:ext cx="1647310" cy="369332"/>
+            <a:off x="1475656" y="188640"/>
+            <a:ext cx="7488831" cy="1938992"/>
           </a:xfrm>
           <a:prstGeom prst="rect">
             <a:avLst/>
@@ -1802,25 +4243,84 @@
           <a:noFill/>
         </p:spPr>
         <p:txBody>
-          <a:bodyPr wrap="none" rtlCol="0">
+          <a:bodyPr wrap="square" rtlCol="0">
             <a:spAutoFit/>
           </a:bodyPr>
           <a:lstStyle/>
           <a:p>
-            <a:r>
-              <a:rPr lang="fr-FR" b="1" dirty="0" smtClean="0">
+            <a:pPr algn="ctr"/>
+            <a:r>
+              <a:rPr lang="fr-FR" sz="4000" dirty="0">
                 <a:solidFill>
-                  <a:srgbClr val="E96757"/>
+                  <a:srgbClr val="632423"/>
                 </a:solidFill>
-                <a:latin typeface="Trebuchet MS" panose="020B0603020202020204" pitchFamily="34" charset="0"/>
+                <a:latin typeface="+mj-lt"/>
+                <a:ea typeface="+mj-ea"/>
+                <a:cs typeface="+mj-cs"/>
               </a:rPr>
-              <a:t>Question Test</a:t>
-            </a:r>
-            <a:endParaRPr lang="fr-FR" b="1" dirty="0">
+              <a:t>Le CACES signifie : </a:t>
+            </a:r>
+            <a:r>
+              <a:rPr lang="fr-FR" sz="4000" dirty="0" smtClean="0">
+                <a:solidFill>
+                  <a:srgbClr val="632423"/>
+                </a:solidFill>
+                <a:latin typeface="+mj-lt"/>
+                <a:ea typeface="+mj-ea"/>
+                <a:cs typeface="+mj-cs"/>
+              </a:rPr>
+              <a:t/>
+            </a:r>
+            <a:br>
+              <a:rPr lang="fr-FR" sz="4000" dirty="0" smtClean="0">
+                <a:solidFill>
+                  <a:srgbClr val="632423"/>
+                </a:solidFill>
+                <a:latin typeface="+mj-lt"/>
+                <a:ea typeface="+mj-ea"/>
+                <a:cs typeface="+mj-cs"/>
+              </a:rPr>
+            </a:br>
+            <a:r>
+              <a:rPr lang="fr-FR" sz="4000" dirty="0" smtClean="0">
+                <a:solidFill>
+                  <a:srgbClr val="632423"/>
+                </a:solidFill>
+                <a:latin typeface="+mj-lt"/>
+                <a:ea typeface="+mj-ea"/>
+                <a:cs typeface="+mj-cs"/>
+              </a:rPr>
+              <a:t>Certificat </a:t>
+            </a:r>
+            <a:r>
+              <a:rPr lang="fr-FR" sz="4000" dirty="0">
+                <a:solidFill>
+                  <a:srgbClr val="632423"/>
+                </a:solidFill>
+                <a:latin typeface="+mj-lt"/>
+                <a:ea typeface="+mj-ea"/>
+                <a:cs typeface="+mj-cs"/>
+              </a:rPr>
+              <a:t>d'Aptitude à la Conduite En </a:t>
+            </a:r>
+            <a:r>
+              <a:rPr lang="fr-FR" sz="4000" dirty="0" smtClean="0">
+                <a:solidFill>
+                  <a:srgbClr val="632423"/>
+                </a:solidFill>
+                <a:latin typeface="+mj-lt"/>
+                <a:ea typeface="+mj-ea"/>
+                <a:cs typeface="+mj-cs"/>
+              </a:rPr>
+              <a:t>Sécurité</a:t>
+            </a:r>
+            <a:endParaRPr lang="fr-FR" sz="4000" dirty="0">
               <a:solidFill>
-                <a:srgbClr val="E96757"/>
+                <a:srgbClr val="632423"/>
               </a:solidFill>
-              <a:latin typeface="Trebuchet MS" panose="020B0603020202020204" pitchFamily="34" charset="0"/>
+              <a:latin typeface="+mj-lt"/>
+              <a:ea typeface="+mj-ea"/>
+              <a:cs typeface="+mj-cs"/>
             </a:endParaRPr>
           </a:p>
         </p:txBody>
@@ -1831,7 +4331,7 @@
     </p:custDataLst>
     <p:extLst>
       <p:ext uri="{BB962C8B-B14F-4D97-AF65-F5344CB8AC3E}">
-        <p14:creationId xmlns:p14="http://schemas.microsoft.com/office/powerpoint/2010/main" val="53119070"/>
+        <p14:creationId xmlns:p14="http://schemas.microsoft.com/office/powerpoint/2010/main" val="3732906142"/>
       </p:ext>
     </p:extLst>
   </p:cSld>
@@ -1849,7 +4349,7 @@
 
 <file path=ppt/tags/tag2.xml><?xml version="1.0" encoding="utf-8"?>
 <p:tagLst xmlns:a="http://schemas.openxmlformats.org/drawingml/2006/main" xmlns:r="http://schemas.openxmlformats.org/officeDocument/2006/relationships" xmlns:p="http://schemas.openxmlformats.org/presentationml/2006/main">
-  <p:tag name="OR_SLIDE_GUID" val="4CDC65B8-1C16-49E4-B16D-EBF9A3474742"/>
+  <p:tag name="OR_SLIDE_GUID" val="350D414D-284A-4181-AE51-27677A27DA1E"/>
   <p:tag name="OR_OFFICE_MAJOR_VERSION" val="14"/>
   <p:tag name="OR_POLL_START_MODE" val="Automatic"/>
   <p:tag name="OR_CHART_VALUE_LABEL_FORMAT" val="Response_Count"/>
@@ -1859,8 +4359,7 @@
   <p:tag name="OR_CHART_APPLY_OMBEA_TEMPLATE" val="True"/>
   <p:tag name="OR_POLL_DEFAULT_ANSWER_OPTION" val="None"/>
   <p:tag name="OR_SLIDE_TYPE" val="OR_QUESTION_SLIDE"/>
-  <p:tag name="OR_IS_POLLED" val="False"/>
-  <p:tag name="OR_ANSWERS_BULLET_STYLE" val="ppBulletArabicPeriod"/>
+  <p:tag name="OR_ANSWERS_BULLET_STYLE" val="ppBulletAlphaUCPeriod"/>
   <p:tag name="OR_POLL_FLOW" val="Automatic"/>
   <p:tag name="OR_CHART_DISPLAY_MODE" val="Automatic"/>
   <p:tag name="OR_POLL_TIME_LIMIT" val="-1"/>
@@ -1869,6 +4368,7 @@
   <p:tag name="OR_POLL_DUPLICATES_ALLOWED" val="False"/>
   <p:tag name="OR_CATEGORIZING" val="False"/>
   <p:tag name="OR_PRIORITY_RANKING" val="False"/>
+  <p:tag name="OR_IS_POLLED" val="False"/>
 </p:tagLst>
 </file>
 
@@ -1881,45 +4381,615 @@
 <file path=ppt/tags/tag4.xml><?xml version="1.0" encoding="utf-8"?>
 <p:tagLst xmlns:a="http://schemas.openxmlformats.org/drawingml/2006/main" xmlns:r="http://schemas.openxmlformats.org/officeDocument/2006/relationships" xmlns:p="http://schemas.openxmlformats.org/presentationml/2006/main">
   <p:tag name="OR_SHAPE_TYPE" val="OR_ANSWERS"/>
+  <p:tag name="OR_ANSWER_POINTS" val="0.00"/>
   <p:tag name="OR_ANSWERS_TEXT" val="Vrai&#10;Faux"/>
   <p:tag name="OR_EXCEL_ANSWER_COLORS" val="-16711936,-256"/>
-  <p:tag name="OR_ANSWER_POINTS" val="0.00,0.00"/>
 </p:tagLst>
 </file>
 
 <file path=ppt/theme/theme1.xml><?xml version="1.0" encoding="utf-8"?>
 <a:theme xmlns:a="http://schemas.openxmlformats.org/drawingml/2006/main" name="Thème Office">
   <a:themeElements>
-    <a:clrScheme name="easy'certif">
+    <a:clrScheme name="Altern'active Systems">
       <a:dk1>
-        <a:srgbClr val="2D2D2D"/>
+        <a:sysClr val="windowText" lastClr="000000"/>
       </a:dk1>
       <a:lt1>
         <a:sysClr val="window" lastClr="FFFFFF"/>
       </a:lt1>
       <a:dk2>
-        <a:srgbClr val="1A4F8B"/>
+        <a:srgbClr val="696464"/>
       </a:dk2>
       <a:lt2>
-        <a:srgbClr val="F5F6F8"/>
+        <a:srgbClr val="E9E5DC"/>
       </a:lt2>
       <a:accent1>
-        <a:srgbClr val="005377"/>
+        <a:srgbClr val="9B2D1F"/>
       </a:accent1>
       <a:accent2>
-        <a:srgbClr val="FF6161"/>
+        <a:srgbClr val="D34817"/>
       </a:accent2>
       <a:accent3>
-        <a:srgbClr val="6BAF92"/>
+        <a:srgbClr val="A28E6A"/>
       </a:accent3>
       <a:accent4>
-        <a:srgbClr val="C3C3C3"/>
+        <a:srgbClr val="956251"/>
       </a:accent4>
       <a:accent5>
-        <a:srgbClr val="3C6EAE"/>
+        <a:srgbClr val="918485"/>
       </a:accent5>
       <a:accent6>
-        <a:srgbClr val="1A4F8B"/>
+        <a:srgbClr val="855D5D"/>
+      </a:accent6>
+      <a:hlink>
+        <a:srgbClr val="C00000"/>
+      </a:hlink>
+      <a:folHlink>
+        <a:srgbClr val="96A9A9"/>
+      </a:folHlink>
+    </a:clrScheme>
+    <a:fontScheme name="Office">
+      <a:majorFont>
+        <a:latin typeface="Calibri"/>
+        <a:ea typeface=""/>
+        <a:cs typeface=""/>
+        <a:font script="Jpan" typeface="ＭＳ Ｐゴシック"/>
+        <a:font script="Hang" typeface="맑은 고딕"/>
+        <a:font script="Hans" typeface="宋体"/>
+        <a:font script="Hant" typeface="新細明體"/>
+        <a:font script="Arab" typeface="Times New Roman"/>
+        <a:font script="Hebr" typeface="Times New Roman"/>
+        <a:font script="Thai" typeface="Angsana New"/>
+        <a:font script="Ethi" typeface="Nyala"/>
+        <a:font script="Beng" typeface="Vrinda"/>
+        <a:font script="Gujr" typeface="Shruti"/>
+        <a:font script="Khmr" typeface="MoolBoran"/>
+        <a:font script="Knda" typeface="Tunga"/>
+        <a:font script="Guru" typeface="Raavi"/>
+        <a:font script="Cans" typeface="Euphemia"/>
+        <a:font script="Cher" typeface="Plantagenet Cherokee"/>
+        <a:font script="Yiii" typeface="Microsoft Yi Baiti"/>
+        <a:font script="Tibt" typeface="Microsoft Himalaya"/>
+        <a:font script="Thaa" typeface="MV Boli"/>
+        <a:font script="Deva" typeface="Mangal"/>
+        <a:font script="Telu" typeface="Gautami"/>
+        <a:font script="Taml" typeface="Latha"/>
+        <a:font script="Syrc" typeface="Estrangelo Edessa"/>
+        <a:font script="Orya" typeface="Kalinga"/>
+        <a:font script="Mlym" typeface="Kartika"/>
+        <a:font script="Laoo" typeface="DokChampa"/>
+        <a:font script="Sinh" typeface="Iskoola Pota"/>
+        <a:font script="Mong" typeface="Mongolian Baiti"/>
+        <a:font script="Viet" typeface="Times New Roman"/>
+        <a:font script="Uigh" typeface="Microsoft Uighur"/>
+        <a:font script="Geor" typeface="Sylfaen"/>
+      </a:majorFont>
+      <a:minorFont>
+        <a:latin typeface="Calibri"/>
+        <a:ea typeface=""/>
+        <a:cs typeface=""/>
+        <a:font script="Jpan" typeface="ＭＳ Ｐゴシック"/>
+        <a:font script="Hang" typeface="맑은 고딕"/>
+        <a:font script="Hans" typeface="宋体"/>
+        <a:font script="Hant" typeface="新細明體"/>
+        <a:font script="Arab" typeface="Arial"/>
+        <a:font script="Hebr" typeface="Arial"/>
+        <a:font script="Thai" typeface="Cordia New"/>
+        <a:font script="Ethi" typeface="Nyala"/>
+        <a:font script="Beng" typeface="Vrinda"/>
+        <a:font script="Gujr" typeface="Shruti"/>
+        <a:font script="Khmr" typeface="DaunPenh"/>
+        <a:font script="Knda" typeface="Tunga"/>
+        <a:font script="Guru" typeface="Raavi"/>
+        <a:font script="Cans" typeface="Euphemia"/>
+        <a:font script="Cher" typeface="Plantagenet Cherokee"/>
+        <a:font script="Yiii" typeface="Microsoft Yi Baiti"/>
+        <a:font script="Tibt" typeface="Microsoft Himalaya"/>
+        <a:font script="Thaa" typeface="MV Boli"/>
+        <a:font script="Deva" typeface="Mangal"/>
+        <a:font script="Telu" typeface="Gautami"/>
+        <a:font script="Taml" typeface="Latha"/>
+        <a:font script="Syrc" typeface="Estrangelo Edessa"/>
+        <a:font script="Orya" typeface="Kalinga"/>
+        <a:font script="Mlym" typeface="Kartika"/>
+        <a:font script="Laoo" typeface="DokChampa"/>
+        <a:font script="Sinh" typeface="Iskoola Pota"/>
+        <a:font script="Mong" typeface="Mongolian Baiti"/>
+        <a:font script="Viet" typeface="Arial"/>
+        <a:font script="Uigh" typeface="Microsoft Uighur"/>
+        <a:font script="Geor" typeface="Sylfaen"/>
+      </a:minorFont>
+    </a:fontScheme>
+    <a:fmtScheme name="Office">
+      <a:fillStyleLst>
+        <a:solidFill>
+          <a:schemeClr val="phClr"/>
+        </a:solidFill>
+        <a:gradFill rotWithShape="1">
+          <a:gsLst>
+            <a:gs pos="0">
+              <a:schemeClr val="phClr">
+                <a:tint val="50000"/>
+                <a:satMod val="300000"/>
+              </a:schemeClr>
+            </a:gs>
+            <a:gs pos="35000">
+              <a:schemeClr val="phClr">
+                <a:tint val="37000"/>
+                <a:satMod val="300000"/>
+              </a:schemeClr>
+            </a:gs>
+            <a:gs pos="100000">
+              <a:schemeClr val="phClr">
+                <a:tint val="15000"/>
+                <a:satMod val="350000"/>
+              </a:schemeClr>
+            </a:gs>
+          </a:gsLst>
+          <a:lin ang="16200000" scaled="1"/>
+        </a:gradFill>
+        <a:gradFill rotWithShape="1">
+          <a:gsLst>
+            <a:gs pos="0">
+              <a:schemeClr val="phClr">
+                <a:shade val="51000"/>
+                <a:satMod val="130000"/>
+              </a:schemeClr>
+            </a:gs>
+            <a:gs pos="80000">
+              <a:schemeClr val="phClr">
+                <a:shade val="93000"/>
+                <a:satMod val="130000"/>
+              </a:schemeClr>
+            </a:gs>
+            <a:gs pos="100000">
+              <a:schemeClr val="phClr">
+                <a:shade val="94000"/>
+                <a:satMod val="135000"/>
+              </a:schemeClr>
+            </a:gs>
+          </a:gsLst>
+          <a:lin ang="16200000" scaled="0"/>
+        </a:gradFill>
+      </a:fillStyleLst>
+      <a:lnStyleLst>
+        <a:ln w="9525" cap="flat" cmpd="sng" algn="ctr">
+          <a:solidFill>
+            <a:schemeClr val="phClr">
+              <a:shade val="95000"/>
+              <a:satMod val="105000"/>
+            </a:schemeClr>
+          </a:solidFill>
+          <a:prstDash val="solid"/>
+        </a:ln>
+        <a:ln w="25400" cap="flat" cmpd="sng" algn="ctr">
+          <a:solidFill>
+            <a:schemeClr val="phClr"/>
+          </a:solidFill>
+          <a:prstDash val="solid"/>
+        </a:ln>
+        <a:ln w="38100" cap="flat" cmpd="sng" algn="ctr">
+          <a:solidFill>
+            <a:schemeClr val="phClr"/>
+          </a:solidFill>
+          <a:prstDash val="solid"/>
+        </a:ln>
+      </a:lnStyleLst>
+      <a:effectStyleLst>
+        <a:effectStyle>
+          <a:effectLst>
+            <a:outerShdw blurRad="40000" dist="20000" dir="5400000" rotWithShape="0">
+              <a:srgbClr val="000000">
+                <a:alpha val="38000"/>
+              </a:srgbClr>
+            </a:outerShdw>
+          </a:effectLst>
+        </a:effectStyle>
+        <a:effectStyle>
+          <a:effectLst>
+            <a:outerShdw blurRad="40000" dist="23000" dir="5400000" rotWithShape="0">
+              <a:srgbClr val="000000">
+                <a:alpha val="35000"/>
+              </a:srgbClr>
+            </a:outerShdw>
+          </a:effectLst>
+        </a:effectStyle>
+        <a:effectStyle>
+          <a:effectLst>
+            <a:outerShdw blurRad="40000" dist="23000" dir="5400000" rotWithShape="0">
+              <a:srgbClr val="000000">
+                <a:alpha val="35000"/>
+              </a:srgbClr>
+            </a:outerShdw>
+          </a:effectLst>
+          <a:scene3d>
+            <a:camera prst="orthographicFront">
+              <a:rot lat="0" lon="0" rev="0"/>
+            </a:camera>
+            <a:lightRig rig="threePt" dir="t">
+              <a:rot lat="0" lon="0" rev="1200000"/>
+            </a:lightRig>
+          </a:scene3d>
+          <a:sp3d>
+            <a:bevelT w="63500" h="25400"/>
+          </a:sp3d>
+        </a:effectStyle>
+      </a:effectStyleLst>
+      <a:bgFillStyleLst>
+        <a:solidFill>
+          <a:schemeClr val="phClr"/>
+        </a:solidFill>
+        <a:gradFill rotWithShape="1">
+          <a:gsLst>
+            <a:gs pos="0">
+              <a:schemeClr val="phClr">
+                <a:tint val="40000"/>
+                <a:satMod val="350000"/>
+              </a:schemeClr>
+            </a:gs>
+            <a:gs pos="40000">
+              <a:schemeClr val="phClr">
+                <a:tint val="45000"/>
+                <a:shade val="99000"/>
+                <a:satMod val="350000"/>
+              </a:schemeClr>
+            </a:gs>
+            <a:gs pos="100000">
+              <a:schemeClr val="phClr">
+                <a:shade val="20000"/>
+                <a:satMod val="255000"/>
+              </a:schemeClr>
+            </a:gs>
+          </a:gsLst>
+          <a:path path="circle">
+            <a:fillToRect l="50000" t="-80000" r="50000" b="180000"/>
+          </a:path>
+        </a:gradFill>
+        <a:gradFill rotWithShape="1">
+          <a:gsLst>
+            <a:gs pos="0">
+              <a:schemeClr val="phClr">
+                <a:tint val="80000"/>
+                <a:satMod val="300000"/>
+              </a:schemeClr>
+            </a:gs>
+            <a:gs pos="100000">
+              <a:schemeClr val="phClr">
+                <a:shade val="30000"/>
+                <a:satMod val="200000"/>
+              </a:schemeClr>
+            </a:gs>
+          </a:gsLst>
+          <a:path path="circle">
+            <a:fillToRect l="50000" t="50000" r="50000" b="50000"/>
+          </a:path>
+        </a:gradFill>
+      </a:bgFillStyleLst>
+    </a:fmtScheme>
+  </a:themeElements>
+  <a:objectDefaults/>
+  <a:extraClrSchemeLst/>
+</a:theme>
+</file>
+
+<file path=ppt/theme/theme2.xml><?xml version="1.0" encoding="utf-8"?>
+<a:theme xmlns:a="http://schemas.openxmlformats.org/drawingml/2006/main" name="Thème Office">
+  <a:themeElements>
+    <a:clrScheme name="Office">
+      <a:dk1>
+        <a:sysClr val="windowText" lastClr="000000"/>
+      </a:dk1>
+      <a:lt1>
+        <a:sysClr val="window" lastClr="FFFFFF"/>
+      </a:lt1>
+      <a:dk2>
+        <a:srgbClr val="1F497D"/>
+      </a:dk2>
+      <a:lt2>
+        <a:srgbClr val="EEECE1"/>
+      </a:lt2>
+      <a:accent1>
+        <a:srgbClr val="4F81BD"/>
+      </a:accent1>
+      <a:accent2>
+        <a:srgbClr val="C0504D"/>
+      </a:accent2>
+      <a:accent3>
+        <a:srgbClr val="9BBB59"/>
+      </a:accent3>
+      <a:accent4>
+        <a:srgbClr val="8064A2"/>
+      </a:accent4>
+      <a:accent5>
+        <a:srgbClr val="4BACC6"/>
+      </a:accent5>
+      <a:accent6>
+        <a:srgbClr val="F79646"/>
+      </a:accent6>
+      <a:hlink>
+        <a:srgbClr val="0000FF"/>
+      </a:hlink>
+      <a:folHlink>
+        <a:srgbClr val="800080"/>
+      </a:folHlink>
+    </a:clrScheme>
+    <a:fontScheme name="Office">
+      <a:majorFont>
+        <a:latin typeface="Calibri"/>
+        <a:ea typeface=""/>
+        <a:cs typeface=""/>
+        <a:font script="Jpan" typeface="ＭＳ Ｐゴシック"/>
+        <a:font script="Hang" typeface="맑은 고딕"/>
+        <a:font script="Hans" typeface="宋体"/>
+        <a:font script="Hant" typeface="新細明體"/>
+        <a:font script="Arab" typeface="Times New Roman"/>
+        <a:font script="Hebr" typeface="Times New Roman"/>
+        <a:font script="Thai" typeface="Angsana New"/>
+        <a:font script="Ethi" typeface="Nyala"/>
+        <a:font script="Beng" typeface="Vrinda"/>
+        <a:font script="Gujr" typeface="Shruti"/>
+        <a:font script="Khmr" typeface="MoolBoran"/>
+        <a:font script="Knda" typeface="Tunga"/>
+        <a:font script="Guru" typeface="Raavi"/>
+        <a:font script="Cans" typeface="Euphemia"/>
+        <a:font script="Cher" typeface="Plantagenet Cherokee"/>
+        <a:font script="Yiii" typeface="Microsoft Yi Baiti"/>
+        <a:font script="Tibt" typeface="Microsoft Himalaya"/>
+        <a:font script="Thaa" typeface="MV Boli"/>
+        <a:font script="Deva" typeface="Mangal"/>
+        <a:font script="Telu" typeface="Gautami"/>
+        <a:font script="Taml" typeface="Latha"/>
+        <a:font script="Syrc" typeface="Estrangelo Edessa"/>
+        <a:font script="Orya" typeface="Kalinga"/>
+        <a:font script="Mlym" typeface="Kartika"/>
+        <a:font script="Laoo" typeface="DokChampa"/>
+        <a:font script="Sinh" typeface="Iskoola Pota"/>
+        <a:font script="Mong" typeface="Mongolian Baiti"/>
+        <a:font script="Viet" typeface="Times New Roman"/>
+        <a:font script="Uigh" typeface="Microsoft Uighur"/>
+        <a:font script="Geor" typeface="Sylfaen"/>
+      </a:majorFont>
+      <a:minorFont>
+        <a:latin typeface="Calibri"/>
+        <a:ea typeface=""/>
+        <a:cs typeface=""/>
+        <a:font script="Jpan" typeface="ＭＳ Ｐゴシック"/>
+        <a:font script="Hang" typeface="맑은 고딕"/>
+        <a:font script="Hans" typeface="宋体"/>
+        <a:font script="Hant" typeface="新細明體"/>
+        <a:font script="Arab" typeface="Arial"/>
+        <a:font script="Hebr" typeface="Arial"/>
+        <a:font script="Thai" typeface="Cordia New"/>
+        <a:font script="Ethi" typeface="Nyala"/>
+        <a:font script="Beng" typeface="Vrinda"/>
+        <a:font script="Gujr" typeface="Shruti"/>
+        <a:font script="Khmr" typeface="DaunPenh"/>
+        <a:font script="Knda" typeface="Tunga"/>
+        <a:font script="Guru" typeface="Raavi"/>
+        <a:font script="Cans" typeface="Euphemia"/>
+        <a:font script="Cher" typeface="Plantagenet Cherokee"/>
+        <a:font script="Yiii" typeface="Microsoft Yi Baiti"/>
+        <a:font script="Tibt" typeface="Microsoft Himalaya"/>
+        <a:font script="Thaa" typeface="MV Boli"/>
+        <a:font script="Deva" typeface="Mangal"/>
+        <a:font script="Telu" typeface="Gautami"/>
+        <a:font script="Taml" typeface="Latha"/>
+        <a:font script="Syrc" typeface="Estrangelo Edessa"/>
+        <a:font script="Orya" typeface="Kalinga"/>
+        <a:font script="Mlym" typeface="Kartika"/>
+        <a:font script="Laoo" typeface="DokChampa"/>
+        <a:font script="Sinh" typeface="Iskoola Pota"/>
+        <a:font script="Mong" typeface="Mongolian Baiti"/>
+        <a:font script="Viet" typeface="Arial"/>
+        <a:font script="Uigh" typeface="Microsoft Uighur"/>
+        <a:font script="Geor" typeface="Sylfaen"/>
+      </a:minorFont>
+    </a:fontScheme>
+    <a:fmtScheme name="Office">
+      <a:fillStyleLst>
+        <a:solidFill>
+          <a:schemeClr val="phClr"/>
+        </a:solidFill>
+        <a:gradFill rotWithShape="1">
+          <a:gsLst>
+            <a:gs pos="0">
+              <a:schemeClr val="phClr">
+                <a:tint val="50000"/>
+                <a:satMod val="300000"/>
+              </a:schemeClr>
+            </a:gs>
+            <a:gs pos="35000">
+              <a:schemeClr val="phClr">
+                <a:tint val="37000"/>
+                <a:satMod val="300000"/>
+              </a:schemeClr>
+            </a:gs>
+            <a:gs pos="100000">
+              <a:schemeClr val="phClr">
+                <a:tint val="15000"/>
+                <a:satMod val="350000"/>
+              </a:schemeClr>
+            </a:gs>
+          </a:gsLst>
+          <a:lin ang="16200000" scaled="1"/>
+        </a:gradFill>
+        <a:gradFill rotWithShape="1">
+          <a:gsLst>
+            <a:gs pos="0">
+              <a:schemeClr val="phClr">
+                <a:shade val="51000"/>
+                <a:satMod val="130000"/>
+              </a:schemeClr>
+            </a:gs>
+            <a:gs pos="80000">
+              <a:schemeClr val="phClr">
+                <a:shade val="93000"/>
+                <a:satMod val="130000"/>
+              </a:schemeClr>
+            </a:gs>
+            <a:gs pos="100000">
+              <a:schemeClr val="phClr">
+                <a:shade val="94000"/>
+                <a:satMod val="135000"/>
+              </a:schemeClr>
+            </a:gs>
+          </a:gsLst>
+          <a:lin ang="16200000" scaled="0"/>
+        </a:gradFill>
+      </a:fillStyleLst>
+      <a:lnStyleLst>
+        <a:ln w="9525" cap="flat" cmpd="sng" algn="ctr">
+          <a:solidFill>
+            <a:schemeClr val="phClr">
+              <a:shade val="95000"/>
+              <a:satMod val="105000"/>
+            </a:schemeClr>
+          </a:solidFill>
+          <a:prstDash val="solid"/>
+        </a:ln>
+        <a:ln w="25400" cap="flat" cmpd="sng" algn="ctr">
+          <a:solidFill>
+            <a:schemeClr val="phClr"/>
+          </a:solidFill>
+          <a:prstDash val="solid"/>
+        </a:ln>
+        <a:ln w="38100" cap="flat" cmpd="sng" algn="ctr">
+          <a:solidFill>
+            <a:schemeClr val="phClr"/>
+          </a:solidFill>
+          <a:prstDash val="solid"/>
+        </a:ln>
+      </a:lnStyleLst>
+      <a:effectStyleLst>
+        <a:effectStyle>
+          <a:effectLst>
+            <a:outerShdw blurRad="40000" dist="20000" dir="5400000" rotWithShape="0">
+              <a:srgbClr val="000000">
+                <a:alpha val="38000"/>
+              </a:srgbClr>
+            </a:outerShdw>
+          </a:effectLst>
+        </a:effectStyle>
+        <a:effectStyle>
+          <a:effectLst>
+            <a:outerShdw blurRad="40000" dist="23000" dir="5400000" rotWithShape="0">
+              <a:srgbClr val="000000">
+                <a:alpha val="35000"/>
+              </a:srgbClr>
+            </a:outerShdw>
+          </a:effectLst>
+        </a:effectStyle>
+        <a:effectStyle>
+          <a:effectLst>
+            <a:outerShdw blurRad="40000" dist="23000" dir="5400000" rotWithShape="0">
+              <a:srgbClr val="000000">
+                <a:alpha val="35000"/>
+              </a:srgbClr>
+            </a:outerShdw>
+          </a:effectLst>
+          <a:scene3d>
+            <a:camera prst="orthographicFront">
+              <a:rot lat="0" lon="0" rev="0"/>
+            </a:camera>
+            <a:lightRig rig="threePt" dir="t">
+              <a:rot lat="0" lon="0" rev="1200000"/>
+            </a:lightRig>
+          </a:scene3d>
+          <a:sp3d>
+            <a:bevelT w="63500" h="25400"/>
+          </a:sp3d>
+        </a:effectStyle>
+      </a:effectStyleLst>
+      <a:bgFillStyleLst>
+        <a:solidFill>
+          <a:schemeClr val="phClr"/>
+        </a:solidFill>
+        <a:gradFill rotWithShape="1">
+          <a:gsLst>
+            <a:gs pos="0">
+              <a:schemeClr val="phClr">
+                <a:tint val="40000"/>
+                <a:satMod val="350000"/>
+              </a:schemeClr>
+            </a:gs>
+            <a:gs pos="40000">
+              <a:schemeClr val="phClr">
+                <a:tint val="45000"/>
+                <a:shade val="99000"/>
+                <a:satMod val="350000"/>
+              </a:schemeClr>
+            </a:gs>
+            <a:gs pos="100000">
+              <a:schemeClr val="phClr">
+                <a:shade val="20000"/>
+                <a:satMod val="255000"/>
+              </a:schemeClr>
+            </a:gs>
+          </a:gsLst>
+          <a:path path="circle">
+            <a:fillToRect l="50000" t="-80000" r="50000" b="180000"/>
+          </a:path>
+        </a:gradFill>
+        <a:gradFill rotWithShape="1">
+          <a:gsLst>
+            <a:gs pos="0">
+              <a:schemeClr val="phClr">
+                <a:tint val="80000"/>
+                <a:satMod val="300000"/>
+              </a:schemeClr>
+            </a:gs>
+            <a:gs pos="100000">
+              <a:schemeClr val="phClr">
+                <a:shade val="30000"/>
+                <a:satMod val="200000"/>
+              </a:schemeClr>
+            </a:gs>
+          </a:gsLst>
+          <a:path path="circle">
+            <a:fillToRect l="50000" t="50000" r="50000" b="50000"/>
+          </a:path>
+        </a:gradFill>
+      </a:bgFillStyleLst>
+    </a:fmtScheme>
+  </a:themeElements>
+  <a:objectDefaults/>
+  <a:extraClrSchemeLst/>
+</a:theme>
+</file>
+
+<file path=ppt/theme/theme3.xml><?xml version="1.0" encoding="utf-8"?>
+<a:theme xmlns:a="http://schemas.openxmlformats.org/drawingml/2006/main" name="Thème Office">
+  <a:themeElements>
+    <a:clrScheme name="Office">
+      <a:dk1>
+        <a:sysClr val="windowText" lastClr="000000"/>
+      </a:dk1>
+      <a:lt1>
+        <a:sysClr val="window" lastClr="FFFFFF"/>
+      </a:lt1>
+      <a:dk2>
+        <a:srgbClr val="1F497D"/>
+      </a:dk2>
+      <a:lt2>
+        <a:srgbClr val="EEECE1"/>
+      </a:lt2>
+      <a:accent1>
+        <a:srgbClr val="4F81BD"/>
+      </a:accent1>
+      <a:accent2>
+        <a:srgbClr val="C0504D"/>
+      </a:accent2>
+      <a:accent3>
+        <a:srgbClr val="9BBB59"/>
+      </a:accent3>
+      <a:accent4>
+        <a:srgbClr val="8064A2"/>
+      </a:accent4>
+      <a:accent5>
+        <a:srgbClr val="4BACC6"/>
+      </a:accent5>
+      <a:accent6>
+        <a:srgbClr val="F79646"/>
       </a:accent6>
       <a:hlink>
         <a:srgbClr val="0000FF"/>

--- a/public/templates/default.pptx
+++ b/public/templates/default.pptx
@@ -321,7 +321,7 @@
           <a:p>
             <a:fld id="{9C62A8FC-B0A8-4E22-8F70-522498ABD20C}" type="datetimeFigureOut">
               <a:rPr lang="fr-FR" smtClean="0"/>
-              <a:t>09/07/2025</a:t>
+              <a:t>06/08/2025</a:t>
             </a:fld>
             <a:endParaRPr lang="fr-FR"/>
           </a:p>
@@ -467,7 +467,7 @@
           <a:p>
             <a:fld id="{9C62A8FC-B0A8-4E22-8F70-522498ABD20C}" type="datetimeFigureOut">
               <a:rPr lang="fr-FR" smtClean="0"/>
-              <a:t>09/07/2025</a:t>
+              <a:t>06/08/2025</a:t>
             </a:fld>
             <a:endParaRPr lang="fr-FR"/>
           </a:p>
@@ -758,7 +758,7 @@
           <a:p>
             <a:fld id="{9C62A8FC-B0A8-4E22-8F70-522498ABD20C}" type="datetimeFigureOut">
               <a:rPr lang="fr-FR" smtClean="0"/>
-              <a:t>09/07/2025</a:t>
+              <a:t>06/08/2025</a:t>
             </a:fld>
             <a:endParaRPr lang="fr-FR" dirty="0"/>
           </a:p>
@@ -918,7 +918,7 @@
           <a:p>
             <a:fld id="{9C62A8FC-B0A8-4E22-8F70-522498ABD20C}" type="datetimeFigureOut">
               <a:rPr lang="fr-FR" smtClean="0"/>
-              <a:t>09/07/2025</a:t>
+              <a:t>06/08/2025</a:t>
             </a:fld>
             <a:endParaRPr lang="fr-FR" dirty="0"/>
           </a:p>
@@ -1089,7 +1089,7 @@
           <a:p>
             <a:fld id="{9C62A8FC-B0A8-4E22-8F70-522498ABD20C}" type="datetimeFigureOut">
               <a:rPr lang="fr-FR" smtClean="0"/>
-              <a:t>09/07/2025</a:t>
+              <a:t>06/08/2025</a:t>
             </a:fld>
             <a:endParaRPr lang="fr-FR" dirty="0"/>
           </a:p>
@@ -1117,8 +1117,8 @@
         </p:blipFill>
         <p:spPr>
           <a:xfrm>
-            <a:off x="7308304" y="4675356"/>
-            <a:ext cx="1656184" cy="365751"/>
+            <a:off x="7308304" y="4675640"/>
+            <a:ext cx="1656184" cy="365183"/>
           </a:xfrm>
           <a:prstGeom prst="rect">
             <a:avLst/>
@@ -1777,11 +1777,6 @@
               </a:rPr>
               <a:t>Cette question est uniquement destinée à vérifier le bon fonctionnement des boîtiers de vote. Elle n'a aucun impact sur l’évaluation finale.</a:t>
             </a:r>
-            <a:endParaRPr lang="fr-FR" sz="1600" i="1" dirty="0">
-              <a:solidFill>
-                <a:srgbClr val="E96757"/>
-              </a:solidFill>
-            </a:endParaRPr>
           </a:p>
         </p:txBody>
       </p:sp>
